--- a/Licenta2018MitanTheodorAlexandru/presentation/Thesis presentation - Superpixel preprocessing.pptx
+++ b/Licenta2018MitanTheodorAlexandru/presentation/Thesis presentation - Superpixel preprocessing.pptx
@@ -25,24 +25,23 @@
     <p:sldId id="270" r:id="rId20"/>
     <p:sldId id="271" r:id="rId21"/>
     <p:sldId id="272" r:id="rId22"/>
-    <p:sldId id="273" r:id="rId23"/>
   </p:sldIdLst>
   <p:sldSz cy="5143500" cx="9144000"/>
   <p:notesSz cx="6858000" cy="9144000"/>
   <p:embeddedFontLst>
     <p:embeddedFont>
       <p:font typeface="Raleway"/>
-      <p:regular r:id="rId24"/>
-      <p:bold r:id="rId25"/>
-      <p:italic r:id="rId26"/>
-      <p:boldItalic r:id="rId27"/>
+      <p:regular r:id="rId23"/>
+      <p:bold r:id="rId24"/>
+      <p:italic r:id="rId25"/>
+      <p:boldItalic r:id="rId26"/>
     </p:embeddedFont>
     <p:embeddedFont>
       <p:font typeface="Lato"/>
-      <p:regular r:id="rId28"/>
-      <p:bold r:id="rId29"/>
-      <p:italic r:id="rId30"/>
-      <p:boldItalic r:id="rId31"/>
+      <p:regular r:id="rId27"/>
+      <p:bold r:id="rId28"/>
+      <p:italic r:id="rId29"/>
+      <p:boldItalic r:id="rId30"/>
     </p:embeddedFont>
   </p:embeddedFontLst>
   <p:defaultTextStyle>
@@ -819,7 +818,7 @@
   <p:cSld>
     <p:spTree>
       <p:nvGrpSpPr>
-        <p:cNvPr id="154" name="Shape 154"/>
+        <p:cNvPr id="151" name="Shape 151"/>
         <p:cNvGrpSpPr/>
         <p:nvPr/>
       </p:nvGrpSpPr>
@@ -833,7 +832,7 @@
       </p:grpSpPr>
       <p:sp>
         <p:nvSpPr>
-          <p:cNvPr id="155" name="Shape 155"/>
+          <p:cNvPr id="152" name="Shape 152"/>
           <p:cNvSpPr/>
           <p:nvPr>
             <p:ph idx="2" type="sldImg"/>
@@ -867,7 +866,7 @@
       </p:sp>
       <p:sp>
         <p:nvSpPr>
-          <p:cNvPr id="156" name="Shape 156"/>
+          <p:cNvPr id="153" name="Shape 153"/>
           <p:cNvSpPr txBox="1"/>
           <p:nvPr>
             <p:ph idx="1" type="body"/>
@@ -917,7 +916,7 @@
   <p:cSld>
     <p:spTree>
       <p:nvGrpSpPr>
-        <p:cNvPr id="163" name="Shape 163"/>
+        <p:cNvPr id="161" name="Shape 161"/>
         <p:cNvGrpSpPr/>
         <p:nvPr/>
       </p:nvGrpSpPr>
@@ -931,7 +930,7 @@
       </p:grpSpPr>
       <p:sp>
         <p:nvSpPr>
-          <p:cNvPr id="164" name="Shape 164"/>
+          <p:cNvPr id="162" name="Shape 162"/>
           <p:cNvSpPr/>
           <p:nvPr>
             <p:ph idx="2" type="sldImg"/>
@@ -965,7 +964,7 @@
       </p:sp>
       <p:sp>
         <p:nvSpPr>
-          <p:cNvPr id="165" name="Shape 165"/>
+          <p:cNvPr id="163" name="Shape 163"/>
           <p:cNvSpPr txBox="1"/>
           <p:nvPr>
             <p:ph idx="1" type="body"/>
@@ -1015,7 +1014,7 @@
   <p:cSld>
     <p:spTree>
       <p:nvGrpSpPr>
-        <p:cNvPr id="173" name="Shape 173"/>
+        <p:cNvPr id="172" name="Shape 172"/>
         <p:cNvGrpSpPr/>
         <p:nvPr/>
       </p:nvGrpSpPr>
@@ -1029,7 +1028,7 @@
       </p:grpSpPr>
       <p:sp>
         <p:nvSpPr>
-          <p:cNvPr id="174" name="Shape 174"/>
+          <p:cNvPr id="173" name="Shape 173"/>
           <p:cNvSpPr/>
           <p:nvPr>
             <p:ph idx="2" type="sldImg"/>
@@ -1063,7 +1062,7 @@
       </p:sp>
       <p:sp>
         <p:nvSpPr>
-          <p:cNvPr id="175" name="Shape 175"/>
+          <p:cNvPr id="174" name="Shape 174"/>
           <p:cNvSpPr txBox="1"/>
           <p:nvPr>
             <p:ph idx="1" type="body"/>
@@ -1113,7 +1112,7 @@
   <p:cSld>
     <p:spTree>
       <p:nvGrpSpPr>
-        <p:cNvPr id="184" name="Shape 184"/>
+        <p:cNvPr id="183" name="Shape 183"/>
         <p:cNvGrpSpPr/>
         <p:nvPr/>
       </p:nvGrpSpPr>
@@ -1127,7 +1126,7 @@
       </p:grpSpPr>
       <p:sp>
         <p:nvSpPr>
-          <p:cNvPr id="185" name="Shape 185"/>
+          <p:cNvPr id="184" name="Shape 184"/>
           <p:cNvSpPr/>
           <p:nvPr>
             <p:ph idx="2" type="sldImg"/>
@@ -1161,7 +1160,7 @@
       </p:sp>
       <p:sp>
         <p:nvSpPr>
-          <p:cNvPr id="186" name="Shape 186"/>
+          <p:cNvPr id="185" name="Shape 185"/>
           <p:cNvSpPr txBox="1"/>
           <p:nvPr>
             <p:ph idx="1" type="body"/>
@@ -1211,7 +1210,7 @@
   <p:cSld>
     <p:spTree>
       <p:nvGrpSpPr>
-        <p:cNvPr id="195" name="Shape 195"/>
+        <p:cNvPr id="190" name="Shape 190"/>
         <p:cNvGrpSpPr/>
         <p:nvPr/>
       </p:nvGrpSpPr>
@@ -1225,7 +1224,7 @@
       </p:grpSpPr>
       <p:sp>
         <p:nvSpPr>
-          <p:cNvPr id="196" name="Shape 196"/>
+          <p:cNvPr id="191" name="Shape 191"/>
           <p:cNvSpPr/>
           <p:nvPr>
             <p:ph idx="2" type="sldImg"/>
@@ -1259,7 +1258,7 @@
       </p:sp>
       <p:sp>
         <p:nvSpPr>
-          <p:cNvPr id="197" name="Shape 197"/>
+          <p:cNvPr id="192" name="Shape 192"/>
           <p:cNvSpPr txBox="1"/>
           <p:nvPr>
             <p:ph idx="1" type="body"/>
@@ -1309,7 +1308,7 @@
   <p:cSld>
     <p:spTree>
       <p:nvGrpSpPr>
-        <p:cNvPr id="202" name="Shape 202"/>
+        <p:cNvPr id="197" name="Shape 197"/>
         <p:cNvGrpSpPr/>
         <p:nvPr/>
       </p:nvGrpSpPr>
@@ -1323,7 +1322,7 @@
       </p:grpSpPr>
       <p:sp>
         <p:nvSpPr>
-          <p:cNvPr id="203" name="Shape 203"/>
+          <p:cNvPr id="198" name="Shape 198"/>
           <p:cNvSpPr/>
           <p:nvPr>
             <p:ph idx="2" type="sldImg"/>
@@ -1357,7 +1356,7 @@
       </p:sp>
       <p:sp>
         <p:nvSpPr>
-          <p:cNvPr id="204" name="Shape 204"/>
+          <p:cNvPr id="199" name="Shape 199"/>
           <p:cNvSpPr txBox="1"/>
           <p:nvPr>
             <p:ph idx="1" type="body"/>
@@ -1407,7 +1406,7 @@
   <p:cSld>
     <p:spTree>
       <p:nvGrpSpPr>
-        <p:cNvPr id="209" name="Shape 209"/>
+        <p:cNvPr id="204" name="Shape 204"/>
         <p:cNvGrpSpPr/>
         <p:nvPr/>
       </p:nvGrpSpPr>
@@ -1421,7 +1420,7 @@
       </p:grpSpPr>
       <p:sp>
         <p:nvSpPr>
-          <p:cNvPr id="210" name="Shape 210"/>
+          <p:cNvPr id="205" name="Shape 205"/>
           <p:cNvSpPr/>
           <p:nvPr>
             <p:ph idx="2" type="sldImg"/>
@@ -1455,7 +1454,7 @@
       </p:sp>
       <p:sp>
         <p:nvSpPr>
-          <p:cNvPr id="211" name="Shape 211"/>
+          <p:cNvPr id="206" name="Shape 206"/>
           <p:cNvSpPr txBox="1"/>
           <p:nvPr>
             <p:ph idx="1" type="body"/>
@@ -1505,7 +1504,7 @@
   <p:cSld>
     <p:spTree>
       <p:nvGrpSpPr>
-        <p:cNvPr id="216" name="Shape 216"/>
+        <p:cNvPr id="213" name="Shape 213"/>
         <p:cNvGrpSpPr/>
         <p:nvPr/>
       </p:nvGrpSpPr>
@@ -1519,7 +1518,7 @@
       </p:grpSpPr>
       <p:sp>
         <p:nvSpPr>
-          <p:cNvPr id="217" name="Shape 217"/>
+          <p:cNvPr id="214" name="Shape 214"/>
           <p:cNvSpPr/>
           <p:nvPr>
             <p:ph idx="2" type="sldImg"/>
@@ -1553,105 +1552,7 @@
       </p:sp>
       <p:sp>
         <p:nvSpPr>
-          <p:cNvPr id="218" name="Shape 218"/>
-          <p:cNvSpPr txBox="1"/>
-          <p:nvPr>
-            <p:ph idx="1" type="body"/>
-          </p:nvPr>
-        </p:nvSpPr>
-        <p:spPr>
-          <a:xfrm>
-            <a:off x="685800" y="4343400"/>
-            <a:ext cx="5486400" cy="4114800"/>
-          </a:xfrm>
-          <a:prstGeom prst="rect">
-            <a:avLst/>
-          </a:prstGeom>
-        </p:spPr>
-        <p:txBody>
-          <a:bodyPr anchorCtr="0" anchor="t" bIns="91425" lIns="91425" spcFirstLastPara="1" rIns="91425" wrap="square" tIns="91425">
-            <a:noAutofit/>
-          </a:bodyPr>
-          <a:lstStyle/>
-          <a:p>
-            <a:pPr indent="0" lvl="0" marL="0" rtl="0">
-              <a:spcBef>
-                <a:spcPts val="0"/>
-              </a:spcBef>
-              <a:spcAft>
-                <a:spcPts val="0"/>
-              </a:spcAft>
-              <a:buNone/>
-            </a:pPr>
-            <a:r>
-              <a:t/>
-            </a:r>
-            <a:endParaRPr/>
-          </a:p>
-        </p:txBody>
-      </p:sp>
-    </p:spTree>
-  </p:cSld>
-  <p:clrMapOvr>
-    <a:masterClrMapping/>
-  </p:clrMapOvr>
-</p:notes>
-</file>
-
-<file path=ppt/notesSlides/notesSlide18.xml><?xml version="1.0" encoding="utf-8"?>
-<p:notes xmlns:a="http://schemas.openxmlformats.org/drawingml/2006/main" xmlns:r="http://schemas.openxmlformats.org/officeDocument/2006/relationships" xmlns:mc="http://schemas.openxmlformats.org/markup-compatibility/2006" xmlns:mv="urn:schemas-microsoft-com:mac:vml" xmlns:p="http://schemas.openxmlformats.org/presentationml/2006/main" xmlns:c="http://schemas.openxmlformats.org/drawingml/2006/chart" xmlns:dgm="http://schemas.openxmlformats.org/drawingml/2006/diagram" xmlns:o="urn:schemas-microsoft-com:office:office" xmlns:v="urn:schemas-microsoft-com:vml" xmlns:pvml="urn:schemas-microsoft-com:office:powerpoint" xmlns:com="http://schemas.openxmlformats.org/drawingml/2006/compatibility" xmlns:p14="http://schemas.microsoft.com/office/powerpoint/2010/main" xmlns:p15="http://schemas.microsoft.com/office/powerpoint/2012/main" showMasterPhAnim="0" showMasterSp="0">
-  <p:cSld>
-    <p:spTree>
-      <p:nvGrpSpPr>
-        <p:cNvPr id="225" name="Shape 225"/>
-        <p:cNvGrpSpPr/>
-        <p:nvPr/>
-      </p:nvGrpSpPr>
-      <p:grpSpPr>
-        <a:xfrm>
-          <a:off x="0" y="0"/>
-          <a:ext cx="0" cy="0"/>
-          <a:chOff x="0" y="0"/>
-          <a:chExt cx="0" cy="0"/>
-        </a:xfrm>
-      </p:grpSpPr>
-      <p:sp>
-        <p:nvSpPr>
-          <p:cNvPr id="226" name="Shape 226"/>
-          <p:cNvSpPr/>
-          <p:nvPr>
-            <p:ph idx="2" type="sldImg"/>
-          </p:nvPr>
-        </p:nvSpPr>
-        <p:spPr>
-          <a:xfrm>
-            <a:off x="381300" y="685800"/>
-            <a:ext cx="6096000" cy="3429000"/>
-          </a:xfrm>
-          <a:custGeom>
-            <a:pathLst>
-              <a:path extrusionOk="0" h="120000" w="120000">
-                <a:moveTo>
-                  <a:pt x="0" y="0"/>
-                </a:moveTo>
-                <a:lnTo>
-                  <a:pt x="120000" y="0"/>
-                </a:lnTo>
-                <a:lnTo>
-                  <a:pt x="120000" y="120000"/>
-                </a:lnTo>
-                <a:lnTo>
-                  <a:pt x="0" y="120000"/>
-                </a:lnTo>
-                <a:close/>
-              </a:path>
-            </a:pathLst>
-          </a:custGeom>
-        </p:spPr>
-      </p:sp>
-      <p:sp>
-        <p:nvSpPr>
-          <p:cNvPr id="227" name="Shape 227"/>
+          <p:cNvPr id="215" name="Shape 215"/>
           <p:cNvSpPr txBox="1"/>
           <p:nvPr>
             <p:ph idx="1" type="body"/>
@@ -2191,7 +2092,7 @@
   <p:cSld>
     <p:spTree>
       <p:nvGrpSpPr>
-        <p:cNvPr id="122" name="Shape 122"/>
+        <p:cNvPr id="121" name="Shape 121"/>
         <p:cNvGrpSpPr/>
         <p:nvPr/>
       </p:nvGrpSpPr>
@@ -2205,7 +2106,7 @@
       </p:grpSpPr>
       <p:sp>
         <p:nvSpPr>
-          <p:cNvPr id="123" name="Shape 123"/>
+          <p:cNvPr id="122" name="Shape 122"/>
           <p:cNvSpPr/>
           <p:nvPr>
             <p:ph idx="2" type="sldImg"/>
@@ -2239,7 +2140,7 @@
       </p:sp>
       <p:sp>
         <p:nvSpPr>
-          <p:cNvPr id="124" name="Shape 124"/>
+          <p:cNvPr id="123" name="Shape 123"/>
           <p:cNvSpPr txBox="1"/>
           <p:nvPr>
             <p:ph idx="1" type="body"/>
@@ -2289,7 +2190,7 @@
   <p:cSld>
     <p:spTree>
       <p:nvGrpSpPr>
-        <p:cNvPr id="133" name="Shape 133"/>
+        <p:cNvPr id="132" name="Shape 132"/>
         <p:cNvGrpSpPr/>
         <p:nvPr/>
       </p:nvGrpSpPr>
@@ -2303,7 +2204,7 @@
       </p:grpSpPr>
       <p:sp>
         <p:nvSpPr>
-          <p:cNvPr id="134" name="Shape 134"/>
+          <p:cNvPr id="133" name="Shape 133"/>
           <p:cNvSpPr/>
           <p:nvPr>
             <p:ph idx="2" type="sldImg"/>
@@ -2337,7 +2238,7 @@
       </p:sp>
       <p:sp>
         <p:nvSpPr>
-          <p:cNvPr id="135" name="Shape 135"/>
+          <p:cNvPr id="134" name="Shape 134"/>
           <p:cNvSpPr txBox="1"/>
           <p:nvPr>
             <p:ph idx="1" type="body"/>
@@ -2387,7 +2288,7 @@
   <p:cSld>
     <p:spTree>
       <p:nvGrpSpPr>
-        <p:cNvPr id="144" name="Shape 144"/>
+        <p:cNvPr id="142" name="Shape 142"/>
         <p:cNvGrpSpPr/>
         <p:nvPr/>
       </p:nvGrpSpPr>
@@ -2401,7 +2302,7 @@
       </p:grpSpPr>
       <p:sp>
         <p:nvSpPr>
-          <p:cNvPr id="145" name="Shape 145"/>
+          <p:cNvPr id="143" name="Shape 143"/>
           <p:cNvSpPr/>
           <p:nvPr>
             <p:ph idx="2" type="sldImg"/>
@@ -2435,7 +2336,7 @@
       </p:sp>
       <p:sp>
         <p:nvSpPr>
-          <p:cNvPr id="146" name="Shape 146"/>
+          <p:cNvPr id="144" name="Shape 144"/>
           <p:cNvSpPr txBox="1"/>
           <p:nvPr>
             <p:ph idx="1" type="body"/>
@@ -8500,7 +8401,7 @@
   <p:cSld>
     <p:spTree>
       <p:nvGrpSpPr>
-        <p:cNvPr id="157" name="Shape 157"/>
+        <p:cNvPr id="154" name="Shape 154"/>
         <p:cNvGrpSpPr/>
         <p:nvPr/>
       </p:nvGrpSpPr>
@@ -8514,7 +8415,7 @@
       </p:grpSpPr>
       <p:sp>
         <p:nvSpPr>
-          <p:cNvPr id="158" name="Shape 158"/>
+          <p:cNvPr id="155" name="Shape 155"/>
           <p:cNvSpPr txBox="1"/>
           <p:nvPr>
             <p:ph type="title"/>
@@ -8546,7 +8447,7 @@
             </a:pPr>
             <a:r>
               <a:rPr lang="en"/>
-              <a:t>3) Superpixels to input</a:t>
+              <a:t>The neural network</a:t>
             </a:r>
             <a:endParaRPr>
               <a:solidFill>
@@ -8556,9 +8457,65 @@
           </a:p>
         </p:txBody>
       </p:sp>
+      <p:pic>
+        <p:nvPicPr>
+          <p:cNvPr id="156" name="Shape 156"/>
+          <p:cNvPicPr preferRelativeResize="0"/>
+          <p:nvPr/>
+        </p:nvPicPr>
+        <p:blipFill>
+          <a:blip r:embed="rId3">
+            <a:alphaModFix/>
+          </a:blip>
+          <a:stretch>
+            <a:fillRect/>
+          </a:stretch>
+        </p:blipFill>
+        <p:spPr>
+          <a:xfrm>
+            <a:off x="298575" y="1782601"/>
+            <a:ext cx="3171700" cy="2429375"/>
+          </a:xfrm>
+          <a:prstGeom prst="rect">
+            <a:avLst/>
+          </a:prstGeom>
+          <a:noFill/>
+          <a:ln>
+            <a:noFill/>
+          </a:ln>
+        </p:spPr>
+      </p:pic>
+      <p:pic>
+        <p:nvPicPr>
+          <p:cNvPr id="157" name="Shape 157"/>
+          <p:cNvPicPr preferRelativeResize="0"/>
+          <p:nvPr/>
+        </p:nvPicPr>
+        <p:blipFill>
+          <a:blip r:embed="rId4">
+            <a:alphaModFix/>
+          </a:blip>
+          <a:stretch>
+            <a:fillRect/>
+          </a:stretch>
+        </p:blipFill>
+        <p:spPr>
+          <a:xfrm>
+            <a:off x="3740325" y="2199500"/>
+            <a:ext cx="5274750" cy="1595600"/>
+          </a:xfrm>
+          <a:prstGeom prst="rect">
+            <a:avLst/>
+          </a:prstGeom>
+          <a:noFill/>
+          <a:ln>
+            <a:noFill/>
+          </a:ln>
+        </p:spPr>
+      </p:pic>
       <p:sp>
         <p:nvSpPr>
-          <p:cNvPr id="159" name="Shape 159"/>
+          <p:cNvPr id="158" name="Shape 158"/>
           <p:cNvSpPr txBox="1"/>
           <p:nvPr>
             <p:ph type="title"/>
@@ -8566,8 +8523,8 @@
         </p:nvSpPr>
         <p:spPr>
           <a:xfrm>
-            <a:off x="535775" y="1480150"/>
-            <a:ext cx="7167900" cy="3067500"/>
+            <a:off x="1068275" y="4327000"/>
+            <a:ext cx="1632300" cy="569700"/>
           </a:xfrm>
           <a:prstGeom prst="rect">
             <a:avLst/>
@@ -8579,7 +8536,7 @@
           </a:bodyPr>
           <a:lstStyle/>
           <a:p>
-            <a:pPr indent="-381000" lvl="0" marL="457200" rtl="0">
+            <a:pPr indent="0" lvl="0" marL="0" rtl="0" algn="ctr">
               <a:lnSpc>
                 <a:spcPct val="115000"/>
               </a:lnSpc>
@@ -8587,14 +8544,9 @@
                 <a:spcPts val="0"/>
               </a:spcBef>
               <a:spcAft>
-                <a:spcPts val="0"/>
-              </a:spcAft>
-              <a:buClr>
-                <a:srgbClr val="EFEFEF"/>
-              </a:buClr>
-              <a:buSzPts val="2400"/>
-              <a:buFont typeface="Lato"/>
-              <a:buAutoNum type="arabicPeriod"/>
+                <a:spcPts val="1600"/>
+              </a:spcAft>
+              <a:buNone/>
             </a:pPr>
             <a:r>
               <a:rPr b="0" lang="en" sz="2400">
@@ -8606,47 +8558,7 @@
                 <a:cs typeface="Lato"/>
                 <a:sym typeface="Lato"/>
               </a:rPr>
-              <a:t>“Cellbatch” uses the averages of each superpixel</a:t>
-            </a:r>
-            <a:endParaRPr b="0" sz="2400">
-              <a:solidFill>
-                <a:srgbClr val="EFEFEF"/>
-              </a:solidFill>
-              <a:latin typeface="Lato"/>
-              <a:ea typeface="Lato"/>
-              <a:cs typeface="Lato"/>
-              <a:sym typeface="Lato"/>
-            </a:endParaRPr>
-          </a:p>
-          <a:p>
-            <a:pPr indent="-381000" lvl="0" marL="457200" rtl="0">
-              <a:lnSpc>
-                <a:spcPct val="115000"/>
-              </a:lnSpc>
-              <a:spcBef>
-                <a:spcPts val="0"/>
-              </a:spcBef>
-              <a:spcAft>
-                <a:spcPts val="0"/>
-              </a:spcAft>
-              <a:buClr>
-                <a:srgbClr val="EFEFEF"/>
-              </a:buClr>
-              <a:buSzPts val="2400"/>
-              <a:buFont typeface="Lato"/>
-              <a:buAutoNum type="arabicPeriod"/>
-            </a:pPr>
-            <a:r>
-              <a:rPr b="0" lang="en" sz="2400">
-                <a:solidFill>
-                  <a:srgbClr val="EFEFEF"/>
-                </a:solidFill>
-                <a:latin typeface="Lato"/>
-                <a:ea typeface="Lato"/>
-                <a:cs typeface="Lato"/>
-                <a:sym typeface="Lato"/>
-              </a:rPr>
-              <a:t>“Relbatch” uses batches of relationships</a:t>
+              <a:t>Cellbatch</a:t>
             </a:r>
             <a:endParaRPr b="0" sz="2400">
               <a:solidFill>
@@ -8660,65 +8572,68 @@
           </a:p>
         </p:txBody>
       </p:sp>
-      <p:pic>
-        <p:nvPicPr>
-          <p:cNvPr id="160" name="Shape 160"/>
-          <p:cNvPicPr preferRelativeResize="0"/>
-          <p:nvPr/>
-        </p:nvPicPr>
-        <p:blipFill>
-          <a:blip r:embed="rId3">
-            <a:alphaModFix/>
-          </a:blip>
-          <a:stretch>
-            <a:fillRect/>
-          </a:stretch>
-        </p:blipFill>
-        <p:spPr>
-          <a:xfrm>
-            <a:off x="840200" y="3465338"/>
-            <a:ext cx="4257675" cy="276225"/>
+      <p:sp>
+        <p:nvSpPr>
+          <p:cNvPr id="159" name="Shape 159"/>
+          <p:cNvSpPr txBox="1"/>
+          <p:nvPr>
+            <p:ph type="title"/>
+          </p:nvPr>
+        </p:nvSpPr>
+        <p:spPr>
+          <a:xfrm>
+            <a:off x="5914350" y="3971025"/>
+            <a:ext cx="926700" cy="616800"/>
           </a:xfrm>
           <a:prstGeom prst="rect">
             <a:avLst/>
           </a:prstGeom>
-          <a:noFill/>
-          <a:ln>
-            <a:noFill/>
-          </a:ln>
-        </p:spPr>
-      </p:pic>
-      <p:pic>
-        <p:nvPicPr>
-          <p:cNvPr id="161" name="Shape 161"/>
-          <p:cNvPicPr preferRelativeResize="0"/>
-          <p:nvPr/>
-        </p:nvPicPr>
-        <p:blipFill>
-          <a:blip r:embed="rId4">
-            <a:alphaModFix/>
-          </a:blip>
-          <a:stretch>
-            <a:fillRect/>
-          </a:stretch>
-        </p:blipFill>
-        <p:spPr>
-          <a:xfrm>
-            <a:off x="6053063" y="2365200"/>
-            <a:ext cx="2143125" cy="2476500"/>
-          </a:xfrm>
-          <a:prstGeom prst="rect">
-            <a:avLst/>
-          </a:prstGeom>
-          <a:noFill/>
-          <a:ln>
-            <a:noFill/>
-          </a:ln>
-        </p:spPr>
-      </p:pic>
+        </p:spPr>
+        <p:txBody>
+          <a:bodyPr anchorCtr="0" anchor="t" bIns="91425" lIns="91425" spcFirstLastPara="1" rIns="91425" wrap="square" tIns="91425">
+            <a:noAutofit/>
+          </a:bodyPr>
+          <a:lstStyle/>
+          <a:p>
+            <a:pPr indent="0" lvl="0" marL="0" rtl="0" algn="ctr">
+              <a:lnSpc>
+                <a:spcPct val="115000"/>
+              </a:lnSpc>
+              <a:spcBef>
+                <a:spcPts val="0"/>
+              </a:spcBef>
+              <a:spcAft>
+                <a:spcPts val="1600"/>
+              </a:spcAft>
+              <a:buNone/>
+            </a:pPr>
+            <a:r>
+              <a:rPr b="0" lang="en" sz="2400">
+                <a:solidFill>
+                  <a:srgbClr val="EFEFEF"/>
+                </a:solidFill>
+                <a:latin typeface="Lato"/>
+                <a:ea typeface="Lato"/>
+                <a:cs typeface="Lato"/>
+                <a:sym typeface="Lato"/>
+              </a:rPr>
+              <a:t>CNN</a:t>
+            </a:r>
+            <a:endParaRPr b="0" sz="2400">
+              <a:solidFill>
+                <a:srgbClr val="EFEFEF"/>
+              </a:solidFill>
+              <a:latin typeface="Lato"/>
+              <a:ea typeface="Lato"/>
+              <a:cs typeface="Lato"/>
+              <a:sym typeface="Lato"/>
+            </a:endParaRPr>
+          </a:p>
+        </p:txBody>
+      </p:sp>
       <p:sp>
         <p:nvSpPr>
-          <p:cNvPr id="162" name="Shape 162"/>
+          <p:cNvPr id="160" name="Shape 160"/>
           <p:cNvSpPr txBox="1"/>
           <p:nvPr>
             <p:ph idx="12" type="sldNum"/>
@@ -8769,7 +8684,7 @@
   <p:cSld>
     <p:spTree>
       <p:nvGrpSpPr>
-        <p:cNvPr id="166" name="Shape 166"/>
+        <p:cNvPr id="164" name="Shape 164"/>
         <p:cNvGrpSpPr/>
         <p:nvPr/>
       </p:nvGrpSpPr>
@@ -8783,7 +8698,7 @@
       </p:grpSpPr>
       <p:sp>
         <p:nvSpPr>
-          <p:cNvPr id="167" name="Shape 167"/>
+          <p:cNvPr id="165" name="Shape 165"/>
           <p:cNvSpPr txBox="1"/>
           <p:nvPr>
             <p:ph type="title"/>
@@ -8791,8 +8706,8 @@
         </p:nvSpPr>
         <p:spPr>
           <a:xfrm>
-            <a:off x="298575" y="402775"/>
-            <a:ext cx="8716500" cy="1175100"/>
+            <a:off x="520825" y="1933600"/>
+            <a:ext cx="7167900" cy="3067500"/>
           </a:xfrm>
           <a:prstGeom prst="rect">
             <a:avLst/>
@@ -8804,107 +8719,7 @@
           </a:bodyPr>
           <a:lstStyle/>
           <a:p>
-            <a:pPr indent="0" lvl="0" marL="0" rtl="0">
-              <a:spcBef>
-                <a:spcPts val="0"/>
-              </a:spcBef>
-              <a:spcAft>
-                <a:spcPts val="0"/>
-              </a:spcAft>
-              <a:buNone/>
-            </a:pPr>
-            <a:r>
-              <a:rPr lang="en"/>
-              <a:t>4) The neural network</a:t>
-            </a:r>
-            <a:endParaRPr>
-              <a:solidFill>
-                <a:schemeClr val="accent5"/>
-              </a:solidFill>
-            </a:endParaRPr>
-          </a:p>
-        </p:txBody>
-      </p:sp>
-      <p:pic>
-        <p:nvPicPr>
-          <p:cNvPr id="168" name="Shape 168"/>
-          <p:cNvPicPr preferRelativeResize="0"/>
-          <p:nvPr/>
-        </p:nvPicPr>
-        <p:blipFill>
-          <a:blip r:embed="rId3">
-            <a:alphaModFix/>
-          </a:blip>
-          <a:stretch>
-            <a:fillRect/>
-          </a:stretch>
-        </p:blipFill>
-        <p:spPr>
-          <a:xfrm>
-            <a:off x="298575" y="1782601"/>
-            <a:ext cx="3171700" cy="2429375"/>
-          </a:xfrm>
-          <a:prstGeom prst="rect">
-            <a:avLst/>
-          </a:prstGeom>
-          <a:noFill/>
-          <a:ln>
-            <a:noFill/>
-          </a:ln>
-        </p:spPr>
-      </p:pic>
-      <p:pic>
-        <p:nvPicPr>
-          <p:cNvPr id="169" name="Shape 169"/>
-          <p:cNvPicPr preferRelativeResize="0"/>
-          <p:nvPr/>
-        </p:nvPicPr>
-        <p:blipFill>
-          <a:blip r:embed="rId4">
-            <a:alphaModFix/>
-          </a:blip>
-          <a:stretch>
-            <a:fillRect/>
-          </a:stretch>
-        </p:blipFill>
-        <p:spPr>
-          <a:xfrm>
-            <a:off x="3740325" y="2199500"/>
-            <a:ext cx="5274750" cy="1595600"/>
-          </a:xfrm>
-          <a:prstGeom prst="rect">
-            <a:avLst/>
-          </a:prstGeom>
-          <a:noFill/>
-          <a:ln>
-            <a:noFill/>
-          </a:ln>
-        </p:spPr>
-      </p:pic>
-      <p:sp>
-        <p:nvSpPr>
-          <p:cNvPr id="170" name="Shape 170"/>
-          <p:cNvSpPr txBox="1"/>
-          <p:nvPr>
-            <p:ph type="title"/>
-          </p:nvPr>
-        </p:nvSpPr>
-        <p:spPr>
-          <a:xfrm>
-            <a:off x="1068275" y="4327000"/>
-            <a:ext cx="1632300" cy="569700"/>
-          </a:xfrm>
-          <a:prstGeom prst="rect">
-            <a:avLst/>
-          </a:prstGeom>
-        </p:spPr>
-        <p:txBody>
-          <a:bodyPr anchorCtr="0" anchor="t" bIns="91425" lIns="91425" spcFirstLastPara="1" rIns="91425" wrap="square" tIns="91425">
-            <a:noAutofit/>
-          </a:bodyPr>
-          <a:lstStyle/>
-          <a:p>
-            <a:pPr indent="0" lvl="0" marL="0" rtl="0" algn="ctr">
+            <a:pPr indent="-381000" lvl="0" marL="457200" rtl="0">
               <a:lnSpc>
                 <a:spcPct val="115000"/>
               </a:lnSpc>
@@ -8912,9 +8727,14 @@
                 <a:spcPts val="0"/>
               </a:spcBef>
               <a:spcAft>
-                <a:spcPts val="1600"/>
-              </a:spcAft>
-              <a:buNone/>
+                <a:spcPts val="0"/>
+              </a:spcAft>
+              <a:buClr>
+                <a:srgbClr val="EFEFEF"/>
+              </a:buClr>
+              <a:buSzPts val="2400"/>
+              <a:buFont typeface="Lato"/>
+              <a:buAutoNum type="arabicPeriod"/>
             </a:pPr>
             <a:r>
               <a:rPr b="0" lang="en" sz="2400">
@@ -8926,7 +8746,167 @@
                 <a:cs typeface="Lato"/>
                 <a:sym typeface="Lato"/>
               </a:rPr>
-              <a:t>Cellbatch</a:t>
+              <a:t>30 clusters</a:t>
+            </a:r>
+            <a:endParaRPr b="0" sz="2400">
+              <a:solidFill>
+                <a:srgbClr val="EFEFEF"/>
+              </a:solidFill>
+              <a:latin typeface="Lato"/>
+              <a:ea typeface="Lato"/>
+              <a:cs typeface="Lato"/>
+              <a:sym typeface="Lato"/>
+            </a:endParaRPr>
+          </a:p>
+          <a:p>
+            <a:pPr indent="-381000" lvl="0" marL="457200" rtl="0">
+              <a:lnSpc>
+                <a:spcPct val="115000"/>
+              </a:lnSpc>
+              <a:spcBef>
+                <a:spcPts val="0"/>
+              </a:spcBef>
+              <a:spcAft>
+                <a:spcPts val="0"/>
+              </a:spcAft>
+              <a:buClr>
+                <a:srgbClr val="EFEFEF"/>
+              </a:buClr>
+              <a:buSzPts val="2400"/>
+              <a:buFont typeface="Lato"/>
+              <a:buAutoNum type="arabicPeriod"/>
+            </a:pPr>
+            <a:r>
+              <a:rPr b="0" lang="en" sz="2400">
+                <a:solidFill>
+                  <a:srgbClr val="EFEFEF"/>
+                </a:solidFill>
+                <a:latin typeface="Lato"/>
+                <a:ea typeface="Lato"/>
+                <a:cs typeface="Lato"/>
+                <a:sym typeface="Lato"/>
+              </a:rPr>
+              <a:t>20 epochs</a:t>
+            </a:r>
+            <a:endParaRPr b="0" sz="2400">
+              <a:solidFill>
+                <a:srgbClr val="EFEFEF"/>
+              </a:solidFill>
+              <a:latin typeface="Lato"/>
+              <a:ea typeface="Lato"/>
+              <a:cs typeface="Lato"/>
+              <a:sym typeface="Lato"/>
+            </a:endParaRPr>
+          </a:p>
+          <a:p>
+            <a:pPr indent="-381000" lvl="0" marL="457200" rtl="0">
+              <a:lnSpc>
+                <a:spcPct val="115000"/>
+              </a:lnSpc>
+              <a:spcBef>
+                <a:spcPts val="0"/>
+              </a:spcBef>
+              <a:spcAft>
+                <a:spcPts val="0"/>
+              </a:spcAft>
+              <a:buClr>
+                <a:srgbClr val="EFEFEF"/>
+              </a:buClr>
+              <a:buSzPts val="2400"/>
+              <a:buFont typeface="Lato"/>
+              <a:buAutoNum type="arabicPeriod"/>
+            </a:pPr>
+            <a:r>
+              <a:rPr b="0" lang="en" sz="2400">
+                <a:solidFill>
+                  <a:srgbClr val="EFEFEF"/>
+                </a:solidFill>
+                <a:latin typeface="Lato"/>
+                <a:ea typeface="Lato"/>
+                <a:cs typeface="Lato"/>
+                <a:sym typeface="Lato"/>
+              </a:rPr>
+              <a:t>All images</a:t>
+            </a:r>
+            <a:endParaRPr b="0" sz="2400">
+              <a:solidFill>
+                <a:srgbClr val="EFEFEF"/>
+              </a:solidFill>
+              <a:latin typeface="Lato"/>
+              <a:ea typeface="Lato"/>
+              <a:cs typeface="Lato"/>
+              <a:sym typeface="Lato"/>
+            </a:endParaRPr>
+          </a:p>
+          <a:p>
+            <a:pPr indent="-381000" lvl="0" marL="457200" rtl="0">
+              <a:lnSpc>
+                <a:spcPct val="115000"/>
+              </a:lnSpc>
+              <a:spcBef>
+                <a:spcPts val="0"/>
+              </a:spcBef>
+              <a:spcAft>
+                <a:spcPts val="0"/>
+              </a:spcAft>
+              <a:buClr>
+                <a:srgbClr val="EFEFEF"/>
+              </a:buClr>
+              <a:buSzPts val="2400"/>
+              <a:buFont typeface="Lato"/>
+              <a:buAutoNum type="arabicPeriod"/>
+            </a:pPr>
+            <a:r>
+              <a:rPr b="0" lang="en" sz="2400">
+                <a:solidFill>
+                  <a:srgbClr val="EFEFEF"/>
+                </a:solidFill>
+                <a:latin typeface="Lato"/>
+                <a:ea typeface="Lato"/>
+                <a:cs typeface="Lato"/>
+                <a:sym typeface="Lato"/>
+              </a:rPr>
+              <a:t>We track accuracy and time</a:t>
+            </a:r>
+            <a:endParaRPr b="0" sz="2400">
+              <a:solidFill>
+                <a:srgbClr val="EFEFEF"/>
+              </a:solidFill>
+              <a:latin typeface="Lato"/>
+              <a:ea typeface="Lato"/>
+              <a:cs typeface="Lato"/>
+              <a:sym typeface="Lato"/>
+            </a:endParaRPr>
+          </a:p>
+          <a:p>
+            <a:pPr indent="-381000" lvl="0" marL="457200" rtl="0">
+              <a:lnSpc>
+                <a:spcPct val="115000"/>
+              </a:lnSpc>
+              <a:spcBef>
+                <a:spcPts val="0"/>
+              </a:spcBef>
+              <a:spcAft>
+                <a:spcPts val="0"/>
+              </a:spcAft>
+              <a:buClr>
+                <a:srgbClr val="EFEFEF"/>
+              </a:buClr>
+              <a:buSzPts val="2400"/>
+              <a:buFont typeface="Lato"/>
+              <a:buAutoNum type="arabicPeriod"/>
+            </a:pPr>
+            <a:r>
+              <a:rPr b="0" lang="en" sz="2400">
+                <a:solidFill>
+                  <a:srgbClr val="EFEFEF"/>
+                </a:solidFill>
+                <a:latin typeface="Lato"/>
+                <a:ea typeface="Lato"/>
+                <a:cs typeface="Lato"/>
+                <a:sym typeface="Lato"/>
+              </a:rPr>
+              <a:t>Benchmark: flat, fully-connected network</a:t>
             </a:r>
             <a:endParaRPr b="0" sz="2400">
               <a:solidFill>
@@ -8942,7 +8922,7 @@
       </p:sp>
       <p:sp>
         <p:nvSpPr>
-          <p:cNvPr id="171" name="Shape 171"/>
+          <p:cNvPr id="166" name="Shape 166"/>
           <p:cNvSpPr txBox="1"/>
           <p:nvPr>
             <p:ph type="title"/>
@@ -8950,8 +8930,8 @@
         </p:nvSpPr>
         <p:spPr>
           <a:xfrm>
-            <a:off x="5914350" y="3971025"/>
-            <a:ext cx="926700" cy="616800"/>
+            <a:off x="283100" y="712150"/>
+            <a:ext cx="6348000" cy="977400"/>
           </a:xfrm>
           <a:prstGeom prst="rect">
             <a:avLst/>
@@ -8963,45 +8943,200 @@
           </a:bodyPr>
           <a:lstStyle/>
           <a:p>
-            <a:pPr indent="0" lvl="0" marL="0" rtl="0" algn="ctr">
-              <a:lnSpc>
-                <a:spcPct val="115000"/>
-              </a:lnSpc>
-              <a:spcBef>
-                <a:spcPts val="0"/>
-              </a:spcBef>
-              <a:spcAft>
-                <a:spcPts val="1600"/>
+            <a:pPr indent="0" lvl="0" marL="0" rtl="0">
+              <a:spcBef>
+                <a:spcPts val="0"/>
+              </a:spcBef>
+              <a:spcAft>
+                <a:spcPts val="0"/>
               </a:spcAft>
               <a:buNone/>
             </a:pPr>
             <a:r>
-              <a:rPr b="0" lang="en" sz="2400">
-                <a:solidFill>
-                  <a:srgbClr val="EFEFEF"/>
-                </a:solidFill>
-                <a:latin typeface="Lato"/>
-                <a:ea typeface="Lato"/>
-                <a:cs typeface="Lato"/>
-                <a:sym typeface="Lato"/>
-              </a:rPr>
-              <a:t>CNN</a:t>
+              <a:rPr lang="en"/>
+              <a:t>Rules</a:t>
             </a:r>
-            <a:endParaRPr b="0" sz="2400">
+            <a:endParaRPr>
               <a:solidFill>
-                <a:srgbClr val="EFEFEF"/>
+                <a:schemeClr val="accent5"/>
               </a:solidFill>
-              <a:latin typeface="Lato"/>
-              <a:ea typeface="Lato"/>
-              <a:cs typeface="Lato"/>
-              <a:sym typeface="Lato"/>
             </a:endParaRPr>
           </a:p>
         </p:txBody>
       </p:sp>
+      <p:grpSp>
+        <p:nvGrpSpPr>
+          <p:cNvPr id="167" name="Shape 167"/>
+          <p:cNvGrpSpPr/>
+          <p:nvPr/>
+        </p:nvGrpSpPr>
+        <p:grpSpPr>
+          <a:xfrm>
+            <a:off x="5136688" y="1036479"/>
+            <a:ext cx="2212050" cy="2537076"/>
+            <a:chOff x="6803275" y="395363"/>
+            <a:chExt cx="2212050" cy="2537076"/>
+          </a:xfrm>
+        </p:grpSpPr>
+        <p:pic>
+          <p:nvPicPr>
+            <p:cNvPr id="168" name="Shape 168"/>
+            <p:cNvPicPr preferRelativeResize="0"/>
+            <p:nvPr/>
+          </p:nvPicPr>
+          <p:blipFill>
+            <a:blip r:embed="rId3">
+              <a:alphaModFix/>
+            </a:blip>
+            <a:stretch>
+              <a:fillRect/>
+            </a:stretch>
+          </p:blipFill>
+          <p:spPr>
+            <a:xfrm>
+              <a:off x="6803275" y="427445"/>
+              <a:ext cx="2212050" cy="2504994"/>
+            </a:xfrm>
+            <a:prstGeom prst="rect">
+              <a:avLst/>
+            </a:prstGeom>
+            <a:noFill/>
+            <a:ln>
+              <a:noFill/>
+            </a:ln>
+          </p:spPr>
+        </p:pic>
+        <p:pic>
+          <p:nvPicPr>
+            <p:cNvPr descr="Piece of duct tape sticking a note to the slide" id="169" name="Shape 169"/>
+            <p:cNvPicPr preferRelativeResize="0"/>
+            <p:nvPr/>
+          </p:nvPicPr>
+          <p:blipFill rotWithShape="1">
+            <a:blip r:embed="rId4">
+              <a:alphaModFix/>
+            </a:blip>
+            <a:srcRect b="10011" l="9244" r="2118" t="5926"/>
+            <a:stretch/>
+          </p:blipFill>
+          <p:spPr>
+            <a:xfrm rot="154826">
+              <a:off x="7370663" y="419419"/>
+              <a:ext cx="1077273" cy="382687"/>
+            </a:xfrm>
+            <a:prstGeom prst="rect">
+              <a:avLst/>
+            </a:prstGeom>
+            <a:noFill/>
+            <a:ln>
+              <a:noFill/>
+            </a:ln>
+          </p:spPr>
+        </p:pic>
+        <p:sp>
+          <p:nvSpPr>
+            <p:cNvPr id="170" name="Shape 170"/>
+            <p:cNvSpPr txBox="1"/>
+            <p:nvPr/>
+          </p:nvSpPr>
+          <p:spPr>
+            <a:xfrm>
+              <a:off x="6944800" y="684231"/>
+              <a:ext cx="1929000" cy="2004000"/>
+            </a:xfrm>
+            <a:prstGeom prst="rect">
+              <a:avLst/>
+            </a:prstGeom>
+            <a:noFill/>
+            <a:ln>
+              <a:noFill/>
+            </a:ln>
+          </p:spPr>
+          <p:txBody>
+            <a:bodyPr anchorCtr="0" anchor="t" bIns="91425" lIns="91425" spcFirstLastPara="1" rIns="91425" wrap="square" tIns="91425">
+              <a:noAutofit/>
+            </a:bodyPr>
+            <a:lstStyle/>
+            <a:p>
+              <a:pPr indent="0" lvl="0" marL="0" rtl="0">
+                <a:spcBef>
+                  <a:spcPts val="0"/>
+                </a:spcBef>
+                <a:spcAft>
+                  <a:spcPts val="0"/>
+                </a:spcAft>
+                <a:buClr>
+                  <a:schemeClr val="dk2"/>
+                </a:buClr>
+                <a:buSzPts val="1100"/>
+                <a:buFont typeface="Arial"/>
+                <a:buNone/>
+              </a:pPr>
+              <a:r>
+                <a:rPr b="1" lang="en">
+                  <a:solidFill>
+                    <a:schemeClr val="dk1"/>
+                  </a:solidFill>
+                  <a:latin typeface="Raleway"/>
+                  <a:ea typeface="Raleway"/>
+                  <a:cs typeface="Raleway"/>
+                  <a:sym typeface="Raleway"/>
+                </a:rPr>
+                <a:t>Other parameters</a:t>
+              </a:r>
+              <a:endParaRPr b="1">
+                <a:solidFill>
+                  <a:schemeClr val="dk1"/>
+                </a:solidFill>
+                <a:latin typeface="Raleway"/>
+                <a:ea typeface="Raleway"/>
+                <a:cs typeface="Raleway"/>
+                <a:sym typeface="Raleway"/>
+              </a:endParaRPr>
+            </a:p>
+            <a:p>
+              <a:pPr indent="0" lvl="0" marL="0" rtl="0">
+                <a:spcBef>
+                  <a:spcPts val="800"/>
+                </a:spcBef>
+                <a:spcAft>
+                  <a:spcPts val="800"/>
+                </a:spcAft>
+                <a:buClr>
+                  <a:schemeClr val="dk2"/>
+                </a:buClr>
+                <a:buSzPts val="1100"/>
+                <a:buFont typeface="Arial"/>
+                <a:buNone/>
+              </a:pPr>
+              <a:r>
+                <a:rPr lang="en" sz="1200">
+                  <a:solidFill>
+                    <a:schemeClr val="dk2"/>
+                  </a:solidFill>
+                  <a:latin typeface="Raleway"/>
+                  <a:ea typeface="Raleway"/>
+                  <a:cs typeface="Raleway"/>
+                  <a:sym typeface="Raleway"/>
+                </a:rPr>
+                <a:t>Each algorithm has its own parameters, and they have been tweaked to roughly similar degrees of complexity</a:t>
+              </a:r>
+              <a:endParaRPr b="1" sz="1200">
+                <a:solidFill>
+                  <a:schemeClr val="dk2"/>
+                </a:solidFill>
+                <a:latin typeface="Raleway"/>
+                <a:ea typeface="Raleway"/>
+                <a:cs typeface="Raleway"/>
+                <a:sym typeface="Raleway"/>
+              </a:endParaRPr>
+            </a:p>
+          </p:txBody>
+        </p:sp>
+      </p:grpSp>
       <p:sp>
         <p:nvSpPr>
-          <p:cNvPr id="172" name="Shape 172"/>
+          <p:cNvPr id="171" name="Shape 171"/>
           <p:cNvSpPr txBox="1"/>
           <p:nvPr>
             <p:ph idx="12" type="sldNum"/>
@@ -9052,7 +9187,7 @@
   <p:cSld>
     <p:spTree>
       <p:nvGrpSpPr>
-        <p:cNvPr id="176" name="Shape 176"/>
+        <p:cNvPr id="175" name="Shape 175"/>
         <p:cNvGrpSpPr/>
         <p:nvPr/>
       </p:nvGrpSpPr>
@@ -9066,7 +9201,7 @@
       </p:grpSpPr>
       <p:sp>
         <p:nvSpPr>
-          <p:cNvPr id="177" name="Shape 177"/>
+          <p:cNvPr id="176" name="Shape 176"/>
           <p:cNvSpPr txBox="1"/>
           <p:nvPr>
             <p:ph type="title"/>
@@ -9087,7 +9222,7 @@
           </a:bodyPr>
           <a:lstStyle/>
           <a:p>
-            <a:pPr indent="-381000" lvl="0" marL="457200" rtl="0">
+            <a:pPr indent="-457200" lvl="0" marL="457200" rtl="0">
               <a:lnSpc>
                 <a:spcPct val="115000"/>
               </a:lnSpc>
@@ -9100,12 +9235,12 @@
               <a:buClr>
                 <a:srgbClr val="EFEFEF"/>
               </a:buClr>
-              <a:buSzPts val="2400"/>
+              <a:buSzPts val="3600"/>
               <a:buFont typeface="Lato"/>
               <a:buAutoNum type="arabicPeriod"/>
             </a:pPr>
             <a:r>
-              <a:rPr b="0" lang="en" sz="2400">
+              <a:rPr b="0" lang="en" sz="3600">
                 <a:solidFill>
                   <a:srgbClr val="EFEFEF"/>
                 </a:solidFill>
@@ -9114,9 +9249,9 @@
                 <a:cs typeface="Lato"/>
                 <a:sym typeface="Lato"/>
               </a:rPr>
-              <a:t>30 clusters</a:t>
+              <a:t>Cellbatch: ~85%</a:t>
             </a:r>
-            <a:endParaRPr b="0" sz="2400">
+            <a:endParaRPr b="0" sz="3600">
               <a:solidFill>
                 <a:srgbClr val="EFEFEF"/>
               </a:solidFill>
@@ -9127,7 +9262,7 @@
             </a:endParaRPr>
           </a:p>
           <a:p>
-            <a:pPr indent="-381000" lvl="0" marL="457200" rtl="0">
+            <a:pPr indent="-457200" lvl="0" marL="457200" rtl="0">
               <a:lnSpc>
                 <a:spcPct val="115000"/>
               </a:lnSpc>
@@ -9140,12 +9275,12 @@
               <a:buClr>
                 <a:srgbClr val="EFEFEF"/>
               </a:buClr>
-              <a:buSzPts val="2400"/>
+              <a:buSzPts val="3600"/>
               <a:buFont typeface="Lato"/>
               <a:buAutoNum type="arabicPeriod"/>
             </a:pPr>
             <a:r>
-              <a:rPr b="0" lang="en" sz="2400">
+              <a:rPr b="0" lang="en" sz="3600">
                 <a:solidFill>
                   <a:srgbClr val="EFEFEF"/>
                 </a:solidFill>
@@ -9154,9 +9289,9 @@
                 <a:cs typeface="Lato"/>
                 <a:sym typeface="Lato"/>
               </a:rPr>
-              <a:t>20 epochs</a:t>
+              <a:t>Relbatch: ~86%</a:t>
             </a:r>
-            <a:endParaRPr b="0" sz="2400">
+            <a:endParaRPr b="0" sz="3600">
               <a:solidFill>
                 <a:srgbClr val="EFEFEF"/>
               </a:solidFill>
@@ -9167,7 +9302,7 @@
             </a:endParaRPr>
           </a:p>
           <a:p>
-            <a:pPr indent="-381000" lvl="0" marL="457200" rtl="0">
+            <a:pPr indent="-457200" lvl="0" marL="457200" rtl="0">
               <a:lnSpc>
                 <a:spcPct val="115000"/>
               </a:lnSpc>
@@ -9180,12 +9315,12 @@
               <a:buClr>
                 <a:srgbClr val="EFEFEF"/>
               </a:buClr>
-              <a:buSzPts val="2400"/>
+              <a:buSzPts val="3600"/>
               <a:buFont typeface="Lato"/>
               <a:buAutoNum type="arabicPeriod"/>
             </a:pPr>
             <a:r>
-              <a:rPr b="0" lang="en" sz="2400">
+              <a:rPr b="0" lang="en" sz="3600">
                 <a:solidFill>
                   <a:srgbClr val="EFEFEF"/>
                 </a:solidFill>
@@ -9194,89 +9329,9 @@
                 <a:cs typeface="Lato"/>
                 <a:sym typeface="Lato"/>
               </a:rPr>
-              <a:t>All images</a:t>
+              <a:t>Flat: ~50%</a:t>
             </a:r>
-            <a:endParaRPr b="0" sz="2400">
-              <a:solidFill>
-                <a:srgbClr val="EFEFEF"/>
-              </a:solidFill>
-              <a:latin typeface="Lato"/>
-              <a:ea typeface="Lato"/>
-              <a:cs typeface="Lato"/>
-              <a:sym typeface="Lato"/>
-            </a:endParaRPr>
-          </a:p>
-          <a:p>
-            <a:pPr indent="-381000" lvl="0" marL="457200" rtl="0">
-              <a:lnSpc>
-                <a:spcPct val="115000"/>
-              </a:lnSpc>
-              <a:spcBef>
-                <a:spcPts val="0"/>
-              </a:spcBef>
-              <a:spcAft>
-                <a:spcPts val="0"/>
-              </a:spcAft>
-              <a:buClr>
-                <a:srgbClr val="EFEFEF"/>
-              </a:buClr>
-              <a:buSzPts val="2400"/>
-              <a:buFont typeface="Lato"/>
-              <a:buAutoNum type="arabicPeriod"/>
-            </a:pPr>
-            <a:r>
-              <a:rPr b="0" lang="en" sz="2400">
-                <a:solidFill>
-                  <a:srgbClr val="EFEFEF"/>
-                </a:solidFill>
-                <a:latin typeface="Lato"/>
-                <a:ea typeface="Lato"/>
-                <a:cs typeface="Lato"/>
-                <a:sym typeface="Lato"/>
-              </a:rPr>
-              <a:t>We track accuracy and time</a:t>
-            </a:r>
-            <a:endParaRPr b="0" sz="2400">
-              <a:solidFill>
-                <a:srgbClr val="EFEFEF"/>
-              </a:solidFill>
-              <a:latin typeface="Lato"/>
-              <a:ea typeface="Lato"/>
-              <a:cs typeface="Lato"/>
-              <a:sym typeface="Lato"/>
-            </a:endParaRPr>
-          </a:p>
-          <a:p>
-            <a:pPr indent="-381000" lvl="0" marL="457200" rtl="0">
-              <a:lnSpc>
-                <a:spcPct val="115000"/>
-              </a:lnSpc>
-              <a:spcBef>
-                <a:spcPts val="0"/>
-              </a:spcBef>
-              <a:spcAft>
-                <a:spcPts val="0"/>
-              </a:spcAft>
-              <a:buClr>
-                <a:srgbClr val="EFEFEF"/>
-              </a:buClr>
-              <a:buSzPts val="2400"/>
-              <a:buFont typeface="Lato"/>
-              <a:buAutoNum type="arabicPeriod"/>
-            </a:pPr>
-            <a:r>
-              <a:rPr b="0" lang="en" sz="2400">
-                <a:solidFill>
-                  <a:srgbClr val="EFEFEF"/>
-                </a:solidFill>
-                <a:latin typeface="Lato"/>
-                <a:ea typeface="Lato"/>
-                <a:cs typeface="Lato"/>
-                <a:sym typeface="Lato"/>
-              </a:rPr>
-              <a:t>Benchmark: flat, fully-connected network</a:t>
-            </a:r>
-            <a:endParaRPr b="0" sz="2400">
+            <a:endParaRPr b="0" sz="3600">
               <a:solidFill>
                 <a:srgbClr val="EFEFEF"/>
               </a:solidFill>
@@ -9290,7 +9345,7 @@
       </p:sp>
       <p:sp>
         <p:nvSpPr>
-          <p:cNvPr id="178" name="Shape 178"/>
+          <p:cNvPr id="177" name="Shape 177"/>
           <p:cNvSpPr txBox="1"/>
           <p:nvPr>
             <p:ph type="title"/>
@@ -9299,7 +9354,7 @@
         <p:spPr>
           <a:xfrm>
             <a:off x="283100" y="712150"/>
-            <a:ext cx="6348000" cy="977400"/>
+            <a:ext cx="7693800" cy="977400"/>
           </a:xfrm>
           <a:prstGeom prst="rect">
             <a:avLst/>
@@ -9322,13 +9377,53 @@
             </a:pPr>
             <a:r>
               <a:rPr lang="en"/>
-              <a:t>Rules</a:t>
+              <a:t>Accuracy for “CIFAR-2”</a:t>
             </a:r>
             <a:endParaRPr>
               <a:solidFill>
                 <a:schemeClr val="accent5"/>
               </a:solidFill>
             </a:endParaRPr>
+          </a:p>
+        </p:txBody>
+      </p:sp>
+      <p:sp>
+        <p:nvSpPr>
+          <p:cNvPr id="178" name="Shape 178"/>
+          <p:cNvSpPr txBox="1"/>
+          <p:nvPr>
+            <p:ph idx="12" type="sldNum"/>
+          </p:nvPr>
+        </p:nvSpPr>
+        <p:spPr>
+          <a:xfrm>
+            <a:off x="8497999" y="4688759"/>
+            <a:ext cx="548700" cy="393600"/>
+          </a:xfrm>
+          <a:prstGeom prst="rect">
+            <a:avLst/>
+          </a:prstGeom>
+        </p:spPr>
+        <p:txBody>
+          <a:bodyPr anchorCtr="0" anchor="ctr" bIns="91425" lIns="91425" spcFirstLastPara="1" rIns="91425" wrap="square" tIns="91425">
+            <a:noAutofit/>
+          </a:bodyPr>
+          <a:lstStyle/>
+          <a:p>
+            <a:pPr indent="0" lvl="0" marL="0">
+              <a:spcBef>
+                <a:spcPts val="0"/>
+              </a:spcBef>
+              <a:spcAft>
+                <a:spcPts val="0"/>
+              </a:spcAft>
+              <a:buNone/>
+            </a:pPr>
+            <a:fld id="{00000000-1234-1234-1234-123412341234}" type="slidenum">
+              <a:rPr lang="en"/>
+              <a:t>‹#›</a:t>
+            </a:fld>
+            <a:endParaRPr/>
           </a:p>
         </p:txBody>
       </p:sp>
@@ -9340,7 +9435,7 @@
         </p:nvGrpSpPr>
         <p:grpSpPr>
           <a:xfrm>
-            <a:off x="5136688" y="1036479"/>
+            <a:off x="6160888" y="1824116"/>
             <a:ext cx="2212050" cy="2537076"/>
             <a:chOff x="6803275" y="395363"/>
             <a:chExt cx="2212050" cy="2537076"/>
@@ -9450,469 +9545,6 @@
                   <a:cs typeface="Raleway"/>
                   <a:sym typeface="Raleway"/>
                 </a:rPr>
-                <a:t>Other parameters</a:t>
-              </a:r>
-              <a:endParaRPr b="1">
-                <a:solidFill>
-                  <a:schemeClr val="dk1"/>
-                </a:solidFill>
-                <a:latin typeface="Raleway"/>
-                <a:ea typeface="Raleway"/>
-                <a:cs typeface="Raleway"/>
-                <a:sym typeface="Raleway"/>
-              </a:endParaRPr>
-            </a:p>
-            <a:p>
-              <a:pPr indent="0" lvl="0" marL="0" rtl="0">
-                <a:spcBef>
-                  <a:spcPts val="800"/>
-                </a:spcBef>
-                <a:spcAft>
-                  <a:spcPts val="800"/>
-                </a:spcAft>
-                <a:buClr>
-                  <a:schemeClr val="dk2"/>
-                </a:buClr>
-                <a:buSzPts val="1100"/>
-                <a:buFont typeface="Arial"/>
-                <a:buNone/>
-              </a:pPr>
-              <a:r>
-                <a:rPr lang="en" sz="1200">
-                  <a:solidFill>
-                    <a:schemeClr val="dk2"/>
-                  </a:solidFill>
-                  <a:latin typeface="Raleway"/>
-                  <a:ea typeface="Raleway"/>
-                  <a:cs typeface="Raleway"/>
-                  <a:sym typeface="Raleway"/>
-                </a:rPr>
-                <a:t>Each algorithm has its own parameters, and they have been tweaked to roughly similar degrees of complexity</a:t>
-              </a:r>
-              <a:endParaRPr b="1" sz="1200">
-                <a:solidFill>
-                  <a:schemeClr val="dk2"/>
-                </a:solidFill>
-                <a:latin typeface="Raleway"/>
-                <a:ea typeface="Raleway"/>
-                <a:cs typeface="Raleway"/>
-                <a:sym typeface="Raleway"/>
-              </a:endParaRPr>
-            </a:p>
-          </p:txBody>
-        </p:sp>
-      </p:grpSp>
-      <p:sp>
-        <p:nvSpPr>
-          <p:cNvPr id="183" name="Shape 183"/>
-          <p:cNvSpPr txBox="1"/>
-          <p:nvPr>
-            <p:ph idx="12" type="sldNum"/>
-          </p:nvPr>
-        </p:nvSpPr>
-        <p:spPr>
-          <a:xfrm>
-            <a:off x="8497999" y="4688759"/>
-            <a:ext cx="548700" cy="393600"/>
-          </a:xfrm>
-          <a:prstGeom prst="rect">
-            <a:avLst/>
-          </a:prstGeom>
-        </p:spPr>
-        <p:txBody>
-          <a:bodyPr anchorCtr="0" anchor="ctr" bIns="91425" lIns="91425" spcFirstLastPara="1" rIns="91425" wrap="square" tIns="91425">
-            <a:noAutofit/>
-          </a:bodyPr>
-          <a:lstStyle/>
-          <a:p>
-            <a:pPr indent="0" lvl="0" marL="0">
-              <a:spcBef>
-                <a:spcPts val="0"/>
-              </a:spcBef>
-              <a:spcAft>
-                <a:spcPts val="0"/>
-              </a:spcAft>
-              <a:buNone/>
-            </a:pPr>
-            <a:fld id="{00000000-1234-1234-1234-123412341234}" type="slidenum">
-              <a:rPr lang="en"/>
-              <a:t>‹#›</a:t>
-            </a:fld>
-            <a:endParaRPr/>
-          </a:p>
-        </p:txBody>
-      </p:sp>
-    </p:spTree>
-  </p:cSld>
-  <p:clrMapOvr>
-    <a:masterClrMapping/>
-  </p:clrMapOvr>
-</p:sld>
-</file>
-
-<file path=ppt/slides/slide13.xml><?xml version="1.0" encoding="utf-8"?>
-<p:sld xmlns:a="http://schemas.openxmlformats.org/drawingml/2006/main" xmlns:r="http://schemas.openxmlformats.org/officeDocument/2006/relationships" xmlns:mc="http://schemas.openxmlformats.org/markup-compatibility/2006" xmlns:mv="urn:schemas-microsoft-com:mac:vml" xmlns:p="http://schemas.openxmlformats.org/presentationml/2006/main" xmlns:c="http://schemas.openxmlformats.org/drawingml/2006/chart" xmlns:dgm="http://schemas.openxmlformats.org/drawingml/2006/diagram" xmlns:o="urn:schemas-microsoft-com:office:office" xmlns:v="urn:schemas-microsoft-com:vml" xmlns:pvml="urn:schemas-microsoft-com:office:powerpoint" xmlns:com="http://schemas.openxmlformats.org/drawingml/2006/compatibility" xmlns:p14="http://schemas.microsoft.com/office/powerpoint/2010/main" xmlns:p15="http://schemas.microsoft.com/office/powerpoint/2012/main">
-  <p:cSld>
-    <p:spTree>
-      <p:nvGrpSpPr>
-        <p:cNvPr id="187" name="Shape 187"/>
-        <p:cNvGrpSpPr/>
-        <p:nvPr/>
-      </p:nvGrpSpPr>
-      <p:grpSpPr>
-        <a:xfrm>
-          <a:off x="0" y="0"/>
-          <a:ext cx="0" cy="0"/>
-          <a:chOff x="0" y="0"/>
-          <a:chExt cx="0" cy="0"/>
-        </a:xfrm>
-      </p:grpSpPr>
-      <p:sp>
-        <p:nvSpPr>
-          <p:cNvPr id="188" name="Shape 188"/>
-          <p:cNvSpPr txBox="1"/>
-          <p:nvPr>
-            <p:ph type="title"/>
-          </p:nvPr>
-        </p:nvSpPr>
-        <p:spPr>
-          <a:xfrm>
-            <a:off x="520825" y="1933600"/>
-            <a:ext cx="7167900" cy="3067500"/>
-          </a:xfrm>
-          <a:prstGeom prst="rect">
-            <a:avLst/>
-          </a:prstGeom>
-        </p:spPr>
-        <p:txBody>
-          <a:bodyPr anchorCtr="0" anchor="t" bIns="91425" lIns="91425" spcFirstLastPara="1" rIns="91425" wrap="square" tIns="91425">
-            <a:noAutofit/>
-          </a:bodyPr>
-          <a:lstStyle/>
-          <a:p>
-            <a:pPr indent="-457200" lvl="0" marL="457200" rtl="0">
-              <a:lnSpc>
-                <a:spcPct val="115000"/>
-              </a:lnSpc>
-              <a:spcBef>
-                <a:spcPts val="0"/>
-              </a:spcBef>
-              <a:spcAft>
-                <a:spcPts val="0"/>
-              </a:spcAft>
-              <a:buClr>
-                <a:srgbClr val="EFEFEF"/>
-              </a:buClr>
-              <a:buSzPts val="3600"/>
-              <a:buFont typeface="Lato"/>
-              <a:buAutoNum type="arabicPeriod"/>
-            </a:pPr>
-            <a:r>
-              <a:rPr b="0" lang="en" sz="3600">
-                <a:solidFill>
-                  <a:srgbClr val="EFEFEF"/>
-                </a:solidFill>
-                <a:latin typeface="Lato"/>
-                <a:ea typeface="Lato"/>
-                <a:cs typeface="Lato"/>
-                <a:sym typeface="Lato"/>
-              </a:rPr>
-              <a:t>Cellbatch: ~85%</a:t>
-            </a:r>
-            <a:endParaRPr b="0" sz="3600">
-              <a:solidFill>
-                <a:srgbClr val="EFEFEF"/>
-              </a:solidFill>
-              <a:latin typeface="Lato"/>
-              <a:ea typeface="Lato"/>
-              <a:cs typeface="Lato"/>
-              <a:sym typeface="Lato"/>
-            </a:endParaRPr>
-          </a:p>
-          <a:p>
-            <a:pPr indent="-457200" lvl="0" marL="457200" rtl="0">
-              <a:lnSpc>
-                <a:spcPct val="115000"/>
-              </a:lnSpc>
-              <a:spcBef>
-                <a:spcPts val="0"/>
-              </a:spcBef>
-              <a:spcAft>
-                <a:spcPts val="0"/>
-              </a:spcAft>
-              <a:buClr>
-                <a:srgbClr val="EFEFEF"/>
-              </a:buClr>
-              <a:buSzPts val="3600"/>
-              <a:buFont typeface="Lato"/>
-              <a:buAutoNum type="arabicPeriod"/>
-            </a:pPr>
-            <a:r>
-              <a:rPr b="0" lang="en" sz="3600">
-                <a:solidFill>
-                  <a:srgbClr val="EFEFEF"/>
-                </a:solidFill>
-                <a:latin typeface="Lato"/>
-                <a:ea typeface="Lato"/>
-                <a:cs typeface="Lato"/>
-                <a:sym typeface="Lato"/>
-              </a:rPr>
-              <a:t>Relbatch: ~86%</a:t>
-            </a:r>
-            <a:endParaRPr b="0" sz="3600">
-              <a:solidFill>
-                <a:srgbClr val="EFEFEF"/>
-              </a:solidFill>
-              <a:latin typeface="Lato"/>
-              <a:ea typeface="Lato"/>
-              <a:cs typeface="Lato"/>
-              <a:sym typeface="Lato"/>
-            </a:endParaRPr>
-          </a:p>
-          <a:p>
-            <a:pPr indent="-457200" lvl="0" marL="457200" rtl="0">
-              <a:lnSpc>
-                <a:spcPct val="115000"/>
-              </a:lnSpc>
-              <a:spcBef>
-                <a:spcPts val="0"/>
-              </a:spcBef>
-              <a:spcAft>
-                <a:spcPts val="0"/>
-              </a:spcAft>
-              <a:buClr>
-                <a:srgbClr val="EFEFEF"/>
-              </a:buClr>
-              <a:buSzPts val="3600"/>
-              <a:buFont typeface="Lato"/>
-              <a:buAutoNum type="arabicPeriod"/>
-            </a:pPr>
-            <a:r>
-              <a:rPr b="0" lang="en" sz="3600">
-                <a:solidFill>
-                  <a:srgbClr val="EFEFEF"/>
-                </a:solidFill>
-                <a:latin typeface="Lato"/>
-                <a:ea typeface="Lato"/>
-                <a:cs typeface="Lato"/>
-                <a:sym typeface="Lato"/>
-              </a:rPr>
-              <a:t>Flat: ~50%</a:t>
-            </a:r>
-            <a:endParaRPr b="0" sz="3600">
-              <a:solidFill>
-                <a:srgbClr val="EFEFEF"/>
-              </a:solidFill>
-              <a:latin typeface="Lato"/>
-              <a:ea typeface="Lato"/>
-              <a:cs typeface="Lato"/>
-              <a:sym typeface="Lato"/>
-            </a:endParaRPr>
-          </a:p>
-        </p:txBody>
-      </p:sp>
-      <p:sp>
-        <p:nvSpPr>
-          <p:cNvPr id="189" name="Shape 189"/>
-          <p:cNvSpPr txBox="1"/>
-          <p:nvPr>
-            <p:ph type="title"/>
-          </p:nvPr>
-        </p:nvSpPr>
-        <p:spPr>
-          <a:xfrm>
-            <a:off x="283100" y="712150"/>
-            <a:ext cx="7693800" cy="977400"/>
-          </a:xfrm>
-          <a:prstGeom prst="rect">
-            <a:avLst/>
-          </a:prstGeom>
-        </p:spPr>
-        <p:txBody>
-          <a:bodyPr anchorCtr="0" anchor="t" bIns="91425" lIns="91425" spcFirstLastPara="1" rIns="91425" wrap="square" tIns="91425">
-            <a:noAutofit/>
-          </a:bodyPr>
-          <a:lstStyle/>
-          <a:p>
-            <a:pPr indent="0" lvl="0" marL="0" rtl="0">
-              <a:spcBef>
-                <a:spcPts val="0"/>
-              </a:spcBef>
-              <a:spcAft>
-                <a:spcPts val="0"/>
-              </a:spcAft>
-              <a:buNone/>
-            </a:pPr>
-            <a:r>
-              <a:rPr lang="en"/>
-              <a:t>Accuracy for “CIFAR-2”</a:t>
-            </a:r>
-            <a:endParaRPr>
-              <a:solidFill>
-                <a:schemeClr val="accent5"/>
-              </a:solidFill>
-            </a:endParaRPr>
-          </a:p>
-        </p:txBody>
-      </p:sp>
-      <p:sp>
-        <p:nvSpPr>
-          <p:cNvPr id="190" name="Shape 190"/>
-          <p:cNvSpPr txBox="1"/>
-          <p:nvPr>
-            <p:ph idx="12" type="sldNum"/>
-          </p:nvPr>
-        </p:nvSpPr>
-        <p:spPr>
-          <a:xfrm>
-            <a:off x="8497999" y="4688759"/>
-            <a:ext cx="548700" cy="393600"/>
-          </a:xfrm>
-          <a:prstGeom prst="rect">
-            <a:avLst/>
-          </a:prstGeom>
-        </p:spPr>
-        <p:txBody>
-          <a:bodyPr anchorCtr="0" anchor="ctr" bIns="91425" lIns="91425" spcFirstLastPara="1" rIns="91425" wrap="square" tIns="91425">
-            <a:noAutofit/>
-          </a:bodyPr>
-          <a:lstStyle/>
-          <a:p>
-            <a:pPr indent="0" lvl="0" marL="0">
-              <a:spcBef>
-                <a:spcPts val="0"/>
-              </a:spcBef>
-              <a:spcAft>
-                <a:spcPts val="0"/>
-              </a:spcAft>
-              <a:buNone/>
-            </a:pPr>
-            <a:fld id="{00000000-1234-1234-1234-123412341234}" type="slidenum">
-              <a:rPr lang="en"/>
-              <a:t>‹#›</a:t>
-            </a:fld>
-            <a:endParaRPr/>
-          </a:p>
-        </p:txBody>
-      </p:sp>
-      <p:grpSp>
-        <p:nvGrpSpPr>
-          <p:cNvPr id="191" name="Shape 191"/>
-          <p:cNvGrpSpPr/>
-          <p:nvPr/>
-        </p:nvGrpSpPr>
-        <p:grpSpPr>
-          <a:xfrm>
-            <a:off x="6160888" y="1824116"/>
-            <a:ext cx="2212050" cy="2537076"/>
-            <a:chOff x="6803275" y="395363"/>
-            <a:chExt cx="2212050" cy="2537076"/>
-          </a:xfrm>
-        </p:grpSpPr>
-        <p:pic>
-          <p:nvPicPr>
-            <p:cNvPr id="192" name="Shape 192"/>
-            <p:cNvPicPr preferRelativeResize="0"/>
-            <p:nvPr/>
-          </p:nvPicPr>
-          <p:blipFill>
-            <a:blip r:embed="rId3">
-              <a:alphaModFix/>
-            </a:blip>
-            <a:stretch>
-              <a:fillRect/>
-            </a:stretch>
-          </p:blipFill>
-          <p:spPr>
-            <a:xfrm>
-              <a:off x="6803275" y="427445"/>
-              <a:ext cx="2212050" cy="2504994"/>
-            </a:xfrm>
-            <a:prstGeom prst="rect">
-              <a:avLst/>
-            </a:prstGeom>
-            <a:noFill/>
-            <a:ln>
-              <a:noFill/>
-            </a:ln>
-          </p:spPr>
-        </p:pic>
-        <p:pic>
-          <p:nvPicPr>
-            <p:cNvPr descr="Piece of duct tape sticking a note to the slide" id="193" name="Shape 193"/>
-            <p:cNvPicPr preferRelativeResize="0"/>
-            <p:nvPr/>
-          </p:nvPicPr>
-          <p:blipFill rotWithShape="1">
-            <a:blip r:embed="rId4">
-              <a:alphaModFix/>
-            </a:blip>
-            <a:srcRect b="10011" l="9244" r="2118" t="5926"/>
-            <a:stretch/>
-          </p:blipFill>
-          <p:spPr>
-            <a:xfrm rot="154826">
-              <a:off x="7370663" y="419419"/>
-              <a:ext cx="1077273" cy="382687"/>
-            </a:xfrm>
-            <a:prstGeom prst="rect">
-              <a:avLst/>
-            </a:prstGeom>
-            <a:noFill/>
-            <a:ln>
-              <a:noFill/>
-            </a:ln>
-          </p:spPr>
-        </p:pic>
-        <p:sp>
-          <p:nvSpPr>
-            <p:cNvPr id="194" name="Shape 194"/>
-            <p:cNvSpPr txBox="1"/>
-            <p:nvPr/>
-          </p:nvSpPr>
-          <p:spPr>
-            <a:xfrm>
-              <a:off x="6944800" y="684231"/>
-              <a:ext cx="1929000" cy="2004000"/>
-            </a:xfrm>
-            <a:prstGeom prst="rect">
-              <a:avLst/>
-            </a:prstGeom>
-            <a:noFill/>
-            <a:ln>
-              <a:noFill/>
-            </a:ln>
-          </p:spPr>
-          <p:txBody>
-            <a:bodyPr anchorCtr="0" anchor="t" bIns="91425" lIns="91425" spcFirstLastPara="1" rIns="91425" wrap="square" tIns="91425">
-              <a:noAutofit/>
-            </a:bodyPr>
-            <a:lstStyle/>
-            <a:p>
-              <a:pPr indent="0" lvl="0" marL="0" rtl="0">
-                <a:spcBef>
-                  <a:spcPts val="0"/>
-                </a:spcBef>
-                <a:spcAft>
-                  <a:spcPts val="0"/>
-                </a:spcAft>
-                <a:buClr>
-                  <a:schemeClr val="dk2"/>
-                </a:buClr>
-                <a:buSzPts val="1100"/>
-                <a:buFont typeface="Arial"/>
-                <a:buNone/>
-              </a:pPr>
-              <a:r>
-                <a:rPr b="1" lang="en">
-                  <a:solidFill>
-                    <a:schemeClr val="dk1"/>
-                  </a:solidFill>
-                  <a:latin typeface="Raleway"/>
-                  <a:ea typeface="Raleway"/>
-                  <a:cs typeface="Raleway"/>
-                  <a:sym typeface="Raleway"/>
-                </a:rPr>
                 <a:t>Data size</a:t>
               </a:r>
               <a:endParaRPr b="1">
@@ -10010,12 +9642,12 @@
 </p:sld>
 </file>
 
-<file path=ppt/slides/slide14.xml><?xml version="1.0" encoding="utf-8"?>
+<file path=ppt/slides/slide13.xml><?xml version="1.0" encoding="utf-8"?>
 <p:sld xmlns:a="http://schemas.openxmlformats.org/drawingml/2006/main" xmlns:r="http://schemas.openxmlformats.org/officeDocument/2006/relationships" xmlns:mc="http://schemas.openxmlformats.org/markup-compatibility/2006" xmlns:mv="urn:schemas-microsoft-com:mac:vml" xmlns:p="http://schemas.openxmlformats.org/presentationml/2006/main" xmlns:c="http://schemas.openxmlformats.org/drawingml/2006/chart" xmlns:dgm="http://schemas.openxmlformats.org/drawingml/2006/diagram" xmlns:o="urn:schemas-microsoft-com:office:office" xmlns:v="urn:schemas-microsoft-com:vml" xmlns:pvml="urn:schemas-microsoft-com:office:powerpoint" xmlns:com="http://schemas.openxmlformats.org/drawingml/2006/compatibility" xmlns:p14="http://schemas.microsoft.com/office/powerpoint/2010/main" xmlns:p15="http://schemas.microsoft.com/office/powerpoint/2012/main">
   <p:cSld>
     <p:spTree>
       <p:nvGrpSpPr>
-        <p:cNvPr id="198" name="Shape 198"/>
+        <p:cNvPr id="186" name="Shape 186"/>
         <p:cNvGrpSpPr/>
         <p:nvPr/>
       </p:nvGrpSpPr>
@@ -10029,7 +9661,7 @@
       </p:grpSpPr>
       <p:sp>
         <p:nvSpPr>
-          <p:cNvPr id="199" name="Shape 199"/>
+          <p:cNvPr id="187" name="Shape 187"/>
           <p:cNvSpPr txBox="1"/>
           <p:nvPr>
             <p:ph type="title"/>
@@ -10073,7 +9705,7 @@
       </p:sp>
       <p:pic>
         <p:nvPicPr>
-          <p:cNvPr id="200" name="Shape 200"/>
+          <p:cNvPr id="188" name="Shape 188"/>
           <p:cNvPicPr preferRelativeResize="0"/>
           <p:nvPr/>
         </p:nvPicPr>
@@ -10101,7 +9733,286 @@
       </p:pic>
       <p:sp>
         <p:nvSpPr>
-          <p:cNvPr id="201" name="Shape 201"/>
+          <p:cNvPr id="189" name="Shape 189"/>
+          <p:cNvSpPr txBox="1"/>
+          <p:nvPr>
+            <p:ph idx="12" type="sldNum"/>
+          </p:nvPr>
+        </p:nvSpPr>
+        <p:spPr>
+          <a:xfrm>
+            <a:off x="8497999" y="4688759"/>
+            <a:ext cx="548700" cy="393600"/>
+          </a:xfrm>
+          <a:prstGeom prst="rect">
+            <a:avLst/>
+          </a:prstGeom>
+        </p:spPr>
+        <p:txBody>
+          <a:bodyPr anchorCtr="0" anchor="ctr" bIns="91425" lIns="91425" spcFirstLastPara="1" rIns="91425" wrap="square" tIns="91425">
+            <a:noAutofit/>
+          </a:bodyPr>
+          <a:lstStyle/>
+          <a:p>
+            <a:pPr indent="0" lvl="0" marL="0">
+              <a:spcBef>
+                <a:spcPts val="0"/>
+              </a:spcBef>
+              <a:spcAft>
+                <a:spcPts val="0"/>
+              </a:spcAft>
+              <a:buNone/>
+            </a:pPr>
+            <a:fld id="{00000000-1234-1234-1234-123412341234}" type="slidenum">
+              <a:rPr lang="en"/>
+              <a:t>‹#›</a:t>
+            </a:fld>
+            <a:endParaRPr/>
+          </a:p>
+        </p:txBody>
+      </p:sp>
+    </p:spTree>
+  </p:cSld>
+  <p:clrMapOvr>
+    <a:masterClrMapping/>
+  </p:clrMapOvr>
+</p:sld>
+</file>
+
+<file path=ppt/slides/slide14.xml><?xml version="1.0" encoding="utf-8"?>
+<p:sld xmlns:a="http://schemas.openxmlformats.org/drawingml/2006/main" xmlns:r="http://schemas.openxmlformats.org/officeDocument/2006/relationships" xmlns:mc="http://schemas.openxmlformats.org/markup-compatibility/2006" xmlns:mv="urn:schemas-microsoft-com:mac:vml" xmlns:p="http://schemas.openxmlformats.org/presentationml/2006/main" xmlns:c="http://schemas.openxmlformats.org/drawingml/2006/chart" xmlns:dgm="http://schemas.openxmlformats.org/drawingml/2006/diagram" xmlns:o="urn:schemas-microsoft-com:office:office" xmlns:v="urn:schemas-microsoft-com:vml" xmlns:pvml="urn:schemas-microsoft-com:office:powerpoint" xmlns:com="http://schemas.openxmlformats.org/drawingml/2006/compatibility" xmlns:p14="http://schemas.microsoft.com/office/powerpoint/2010/main" xmlns:p15="http://schemas.microsoft.com/office/powerpoint/2012/main">
+  <p:cSld>
+    <p:spTree>
+      <p:nvGrpSpPr>
+        <p:cNvPr id="193" name="Shape 193"/>
+        <p:cNvGrpSpPr/>
+        <p:nvPr/>
+      </p:nvGrpSpPr>
+      <p:grpSpPr>
+        <a:xfrm>
+          <a:off x="0" y="0"/>
+          <a:ext cx="0" cy="0"/>
+          <a:chOff x="0" y="0"/>
+          <a:chExt cx="0" cy="0"/>
+        </a:xfrm>
+      </p:grpSpPr>
+      <p:sp>
+        <p:nvSpPr>
+          <p:cNvPr id="194" name="Shape 194"/>
+          <p:cNvSpPr txBox="1"/>
+          <p:nvPr>
+            <p:ph type="title"/>
+          </p:nvPr>
+        </p:nvSpPr>
+        <p:spPr>
+          <a:xfrm>
+            <a:off x="520825" y="1933600"/>
+            <a:ext cx="7167900" cy="3067500"/>
+          </a:xfrm>
+          <a:prstGeom prst="rect">
+            <a:avLst/>
+          </a:prstGeom>
+        </p:spPr>
+        <p:txBody>
+          <a:bodyPr anchorCtr="0" anchor="t" bIns="91425" lIns="91425" spcFirstLastPara="1" rIns="91425" wrap="square" tIns="91425">
+            <a:noAutofit/>
+          </a:bodyPr>
+          <a:lstStyle/>
+          <a:p>
+            <a:pPr indent="-342900" lvl="0" marL="457200" rtl="0">
+              <a:lnSpc>
+                <a:spcPct val="115000"/>
+              </a:lnSpc>
+              <a:spcBef>
+                <a:spcPts val="0"/>
+              </a:spcBef>
+              <a:spcAft>
+                <a:spcPts val="0"/>
+              </a:spcAft>
+              <a:buClr>
+                <a:srgbClr val="EFEFEF"/>
+              </a:buClr>
+              <a:buSzPts val="1800"/>
+              <a:buFont typeface="Lato"/>
+              <a:buChar char="●"/>
+            </a:pPr>
+            <a:r>
+              <a:rPr b="0" lang="en" sz="1800">
+                <a:solidFill>
+                  <a:srgbClr val="EFEFEF"/>
+                </a:solidFill>
+                <a:latin typeface="Lato"/>
+                <a:ea typeface="Lato"/>
+                <a:cs typeface="Lato"/>
+                <a:sym typeface="Lato"/>
+              </a:rPr>
+              <a:t>Better use of the superpixels’ immediate neighbourhood</a:t>
+            </a:r>
+            <a:endParaRPr b="0" sz="1800">
+              <a:solidFill>
+                <a:srgbClr val="EFEFEF"/>
+              </a:solidFill>
+              <a:latin typeface="Lato"/>
+              <a:ea typeface="Lato"/>
+              <a:cs typeface="Lato"/>
+              <a:sym typeface="Lato"/>
+            </a:endParaRPr>
+          </a:p>
+          <a:p>
+            <a:pPr indent="-342900" lvl="0" marL="457200" rtl="0">
+              <a:lnSpc>
+                <a:spcPct val="115000"/>
+              </a:lnSpc>
+              <a:spcBef>
+                <a:spcPts val="0"/>
+              </a:spcBef>
+              <a:spcAft>
+                <a:spcPts val="0"/>
+              </a:spcAft>
+              <a:buClr>
+                <a:srgbClr val="EFEFEF"/>
+              </a:buClr>
+              <a:buSzPts val="1800"/>
+              <a:buFont typeface="Lato"/>
+              <a:buChar char="●"/>
+            </a:pPr>
+            <a:r>
+              <a:rPr b="0" lang="en" sz="1800">
+                <a:solidFill>
+                  <a:srgbClr val="EFEFEF"/>
+                </a:solidFill>
+                <a:latin typeface="Lato"/>
+                <a:ea typeface="Lato"/>
+                <a:cs typeface="Lato"/>
+                <a:sym typeface="Lato"/>
+              </a:rPr>
+              <a:t>Cluster analysis on superpixels</a:t>
+            </a:r>
+            <a:endParaRPr b="0" sz="1800">
+              <a:solidFill>
+                <a:srgbClr val="EFEFEF"/>
+              </a:solidFill>
+              <a:latin typeface="Lato"/>
+              <a:ea typeface="Lato"/>
+              <a:cs typeface="Lato"/>
+              <a:sym typeface="Lato"/>
+            </a:endParaRPr>
+          </a:p>
+          <a:p>
+            <a:pPr indent="-342900" lvl="0" marL="457200" rtl="0">
+              <a:lnSpc>
+                <a:spcPct val="115000"/>
+              </a:lnSpc>
+              <a:spcBef>
+                <a:spcPts val="0"/>
+              </a:spcBef>
+              <a:spcAft>
+                <a:spcPts val="0"/>
+              </a:spcAft>
+              <a:buClr>
+                <a:srgbClr val="EFEFEF"/>
+              </a:buClr>
+              <a:buSzPts val="1800"/>
+              <a:buFont typeface="Lato"/>
+              <a:buChar char="●"/>
+            </a:pPr>
+            <a:r>
+              <a:rPr b="0" lang="en" sz="1800">
+                <a:solidFill>
+                  <a:srgbClr val="EFEFEF"/>
+                </a:solidFill>
+                <a:latin typeface="Lato"/>
+                <a:ea typeface="Lato"/>
+                <a:cs typeface="Lato"/>
+                <a:sym typeface="Lato"/>
+              </a:rPr>
+              <a:t>SLIC-like optimisations (limited search space)</a:t>
+            </a:r>
+            <a:endParaRPr b="0" sz="1800">
+              <a:solidFill>
+                <a:srgbClr val="EFEFEF"/>
+              </a:solidFill>
+              <a:latin typeface="Lato"/>
+              <a:ea typeface="Lato"/>
+              <a:cs typeface="Lato"/>
+              <a:sym typeface="Lato"/>
+            </a:endParaRPr>
+          </a:p>
+          <a:p>
+            <a:pPr indent="0" lvl="0" marL="0" rtl="0">
+              <a:lnSpc>
+                <a:spcPct val="115000"/>
+              </a:lnSpc>
+              <a:spcBef>
+                <a:spcPts val="1600"/>
+              </a:spcBef>
+              <a:spcAft>
+                <a:spcPts val="1600"/>
+              </a:spcAft>
+              <a:buNone/>
+            </a:pPr>
+            <a:r>
+              <a:t/>
+            </a:r>
+            <a:endParaRPr b="0" sz="1800">
+              <a:solidFill>
+                <a:srgbClr val="EFEFEF"/>
+              </a:solidFill>
+              <a:latin typeface="Lato"/>
+              <a:ea typeface="Lato"/>
+              <a:cs typeface="Lato"/>
+              <a:sym typeface="Lato"/>
+            </a:endParaRPr>
+          </a:p>
+        </p:txBody>
+      </p:sp>
+      <p:sp>
+        <p:nvSpPr>
+          <p:cNvPr id="195" name="Shape 195"/>
+          <p:cNvSpPr txBox="1"/>
+          <p:nvPr>
+            <p:ph type="title"/>
+          </p:nvPr>
+        </p:nvSpPr>
+        <p:spPr>
+          <a:xfrm>
+            <a:off x="283100" y="712150"/>
+            <a:ext cx="7693800" cy="977400"/>
+          </a:xfrm>
+          <a:prstGeom prst="rect">
+            <a:avLst/>
+          </a:prstGeom>
+        </p:spPr>
+        <p:txBody>
+          <a:bodyPr anchorCtr="0" anchor="t" bIns="91425" lIns="91425" spcFirstLastPara="1" rIns="91425" wrap="square" tIns="91425">
+            <a:noAutofit/>
+          </a:bodyPr>
+          <a:lstStyle/>
+          <a:p>
+            <a:pPr indent="0" lvl="0" marL="0" rtl="0">
+              <a:spcBef>
+                <a:spcPts val="0"/>
+              </a:spcBef>
+              <a:spcAft>
+                <a:spcPts val="0"/>
+              </a:spcAft>
+              <a:buNone/>
+            </a:pPr>
+            <a:r>
+              <a:rPr lang="en"/>
+              <a:t>Further work</a:t>
+            </a:r>
+            <a:endParaRPr>
+              <a:solidFill>
+                <a:schemeClr val="accent5"/>
+              </a:solidFill>
+            </a:endParaRPr>
+          </a:p>
+        </p:txBody>
+      </p:sp>
+      <p:sp>
+        <p:nvSpPr>
+          <p:cNvPr id="196" name="Shape 196"/>
           <p:cNvSpPr txBox="1"/>
           <p:nvPr>
             <p:ph idx="12" type="sldNum"/>
@@ -10152,7 +10063,7 @@
   <p:cSld>
     <p:spTree>
       <p:nvGrpSpPr>
-        <p:cNvPr id="205" name="Shape 205"/>
+        <p:cNvPr id="200" name="Shape 200"/>
         <p:cNvGrpSpPr/>
         <p:nvPr/>
       </p:nvGrpSpPr>
@@ -10166,7 +10077,7 @@
       </p:grpSpPr>
       <p:sp>
         <p:nvSpPr>
-          <p:cNvPr id="206" name="Shape 206"/>
+          <p:cNvPr id="201" name="Shape 201"/>
           <p:cNvSpPr txBox="1"/>
           <p:nvPr>
             <p:ph type="title"/>
@@ -10174,7 +10085,7 @@
         </p:nvSpPr>
         <p:spPr>
           <a:xfrm>
-            <a:off x="520825" y="1933600"/>
+            <a:off x="368425" y="1781200"/>
             <a:ext cx="7167900" cy="3067500"/>
           </a:xfrm>
           <a:prstGeom prst="rect">
@@ -10214,7 +10125,7 @@
                 <a:cs typeface="Lato"/>
                 <a:sym typeface="Lato"/>
               </a:rPr>
-              <a:t>Better use of the superpixels’ immediate neighbourhood</a:t>
+              <a:t>Reasonable accuracy with very fast training times</a:t>
             </a:r>
             <a:endParaRPr b="0" sz="1800">
               <a:solidFill>
@@ -10254,7 +10165,7 @@
                 <a:cs typeface="Lato"/>
                 <a:sym typeface="Lato"/>
               </a:rPr>
-              <a:t>Cluster analysis on superpixels</a:t>
+              <a:t>Simple architecture</a:t>
             </a:r>
             <a:endParaRPr b="0" sz="1800">
               <a:solidFill>
@@ -10294,7 +10205,87 @@
                 <a:cs typeface="Lato"/>
                 <a:sym typeface="Lato"/>
               </a:rPr>
-              <a:t>SLIC-like optimisations (limited search space)</a:t>
+              <a:t>Flexible input size and type</a:t>
+            </a:r>
+            <a:endParaRPr b="0" sz="1800">
+              <a:solidFill>
+                <a:srgbClr val="EFEFEF"/>
+              </a:solidFill>
+              <a:latin typeface="Lato"/>
+              <a:ea typeface="Lato"/>
+              <a:cs typeface="Lato"/>
+              <a:sym typeface="Lato"/>
+            </a:endParaRPr>
+          </a:p>
+          <a:p>
+            <a:pPr indent="-342900" lvl="0" marL="457200" rtl="0">
+              <a:lnSpc>
+                <a:spcPct val="115000"/>
+              </a:lnSpc>
+              <a:spcBef>
+                <a:spcPts val="0"/>
+              </a:spcBef>
+              <a:spcAft>
+                <a:spcPts val="0"/>
+              </a:spcAft>
+              <a:buClr>
+                <a:srgbClr val="EFEFEF"/>
+              </a:buClr>
+              <a:buSzPts val="1800"/>
+              <a:buFont typeface="Lato"/>
+              <a:buChar char="●"/>
+            </a:pPr>
+            <a:r>
+              <a:rPr b="0" lang="en" sz="1800">
+                <a:solidFill>
+                  <a:srgbClr val="EFEFEF"/>
+                </a:solidFill>
+                <a:latin typeface="Lato"/>
+                <a:ea typeface="Lato"/>
+                <a:cs typeface="Lato"/>
+                <a:sym typeface="Lato"/>
+              </a:rPr>
+              <a:t>Substantial data reduction</a:t>
+            </a:r>
+            <a:endParaRPr b="0" sz="1800">
+              <a:solidFill>
+                <a:srgbClr val="EFEFEF"/>
+              </a:solidFill>
+              <a:latin typeface="Lato"/>
+              <a:ea typeface="Lato"/>
+              <a:cs typeface="Lato"/>
+              <a:sym typeface="Lato"/>
+            </a:endParaRPr>
+          </a:p>
+          <a:p>
+            <a:pPr indent="-342900" lvl="0" marL="457200" rtl="0">
+              <a:lnSpc>
+                <a:spcPct val="115000"/>
+              </a:lnSpc>
+              <a:spcBef>
+                <a:spcPts val="0"/>
+              </a:spcBef>
+              <a:spcAft>
+                <a:spcPts val="0"/>
+              </a:spcAft>
+              <a:buClr>
+                <a:srgbClr val="EFEFEF"/>
+              </a:buClr>
+              <a:buSzPts val="1800"/>
+              <a:buFont typeface="Lato"/>
+              <a:buChar char="●"/>
+            </a:pPr>
+            <a:r>
+              <a:rPr b="0" lang="en" sz="1800">
+                <a:solidFill>
+                  <a:srgbClr val="EFEFEF"/>
+                </a:solidFill>
+                <a:latin typeface="Lato"/>
+                <a:ea typeface="Lato"/>
+                <a:cs typeface="Lato"/>
+                <a:sym typeface="Lato"/>
+              </a:rPr>
+              <a:t>Effort moved to preprocessing, testing is almost instant: can prepare data regardless of network architecture</a:t>
             </a:r>
             <a:endParaRPr b="0" sz="1800">
               <a:solidFill>
@@ -10336,7 +10327,7 @@
       </p:sp>
       <p:sp>
         <p:nvSpPr>
-          <p:cNvPr id="207" name="Shape 207"/>
+          <p:cNvPr id="202" name="Shape 202"/>
           <p:cNvSpPr txBox="1"/>
           <p:nvPr>
             <p:ph type="title"/>
@@ -10368,7 +10359,7 @@
             </a:pPr>
             <a:r>
               <a:rPr lang="en"/>
-              <a:t>Further work</a:t>
+              <a:t>Conclusions</a:t>
             </a:r>
             <a:endParaRPr>
               <a:solidFill>
@@ -10380,7 +10371,7 @@
       </p:sp>
       <p:sp>
         <p:nvSpPr>
-          <p:cNvPr id="208" name="Shape 208"/>
+          <p:cNvPr id="203" name="Shape 203"/>
           <p:cNvSpPr txBox="1"/>
           <p:nvPr>
             <p:ph idx="12" type="sldNum"/>
@@ -10431,7 +10422,7 @@
   <p:cSld>
     <p:spTree>
       <p:nvGrpSpPr>
-        <p:cNvPr id="212" name="Shape 212"/>
+        <p:cNvPr id="207" name="Shape 207"/>
         <p:cNvGrpSpPr/>
         <p:nvPr/>
       </p:nvGrpSpPr>
@@ -10445,7 +10436,7 @@
       </p:grpSpPr>
       <p:sp>
         <p:nvSpPr>
-          <p:cNvPr id="213" name="Shape 213"/>
+          <p:cNvPr id="208" name="Shape 208"/>
           <p:cNvSpPr txBox="1"/>
           <p:nvPr>
             <p:ph type="title"/>
@@ -10453,258 +10444,8 @@
         </p:nvSpPr>
         <p:spPr>
           <a:xfrm>
-            <a:off x="368425" y="1781200"/>
-            <a:ext cx="7167900" cy="3067500"/>
-          </a:xfrm>
-          <a:prstGeom prst="rect">
-            <a:avLst/>
-          </a:prstGeom>
-        </p:spPr>
-        <p:txBody>
-          <a:bodyPr anchorCtr="0" anchor="t" bIns="91425" lIns="91425" spcFirstLastPara="1" rIns="91425" wrap="square" tIns="91425">
-            <a:noAutofit/>
-          </a:bodyPr>
-          <a:lstStyle/>
-          <a:p>
-            <a:pPr indent="-342900" lvl="0" marL="457200" rtl="0">
-              <a:lnSpc>
-                <a:spcPct val="115000"/>
-              </a:lnSpc>
-              <a:spcBef>
-                <a:spcPts val="0"/>
-              </a:spcBef>
-              <a:spcAft>
-                <a:spcPts val="0"/>
-              </a:spcAft>
-              <a:buClr>
-                <a:srgbClr val="EFEFEF"/>
-              </a:buClr>
-              <a:buSzPts val="1800"/>
-              <a:buFont typeface="Lato"/>
-              <a:buChar char="●"/>
-            </a:pPr>
-            <a:r>
-              <a:rPr b="0" lang="en" sz="1800">
-                <a:solidFill>
-                  <a:srgbClr val="EFEFEF"/>
-                </a:solidFill>
-                <a:latin typeface="Lato"/>
-                <a:ea typeface="Lato"/>
-                <a:cs typeface="Lato"/>
-                <a:sym typeface="Lato"/>
-              </a:rPr>
-              <a:t>Reasonable accuracy with very fast training times</a:t>
-            </a:r>
-            <a:endParaRPr b="0" sz="1800">
-              <a:solidFill>
-                <a:srgbClr val="EFEFEF"/>
-              </a:solidFill>
-              <a:latin typeface="Lato"/>
-              <a:ea typeface="Lato"/>
-              <a:cs typeface="Lato"/>
-              <a:sym typeface="Lato"/>
-            </a:endParaRPr>
-          </a:p>
-          <a:p>
-            <a:pPr indent="-342900" lvl="0" marL="457200" rtl="0">
-              <a:lnSpc>
-                <a:spcPct val="115000"/>
-              </a:lnSpc>
-              <a:spcBef>
-                <a:spcPts val="0"/>
-              </a:spcBef>
-              <a:spcAft>
-                <a:spcPts val="0"/>
-              </a:spcAft>
-              <a:buClr>
-                <a:srgbClr val="EFEFEF"/>
-              </a:buClr>
-              <a:buSzPts val="1800"/>
-              <a:buFont typeface="Lato"/>
-              <a:buChar char="●"/>
-            </a:pPr>
-            <a:r>
-              <a:rPr b="0" lang="en" sz="1800">
-                <a:solidFill>
-                  <a:srgbClr val="EFEFEF"/>
-                </a:solidFill>
-                <a:latin typeface="Lato"/>
-                <a:ea typeface="Lato"/>
-                <a:cs typeface="Lato"/>
-                <a:sym typeface="Lato"/>
-              </a:rPr>
-              <a:t>Simple architecture</a:t>
-            </a:r>
-            <a:endParaRPr b="0" sz="1800">
-              <a:solidFill>
-                <a:srgbClr val="EFEFEF"/>
-              </a:solidFill>
-              <a:latin typeface="Lato"/>
-              <a:ea typeface="Lato"/>
-              <a:cs typeface="Lato"/>
-              <a:sym typeface="Lato"/>
-            </a:endParaRPr>
-          </a:p>
-          <a:p>
-            <a:pPr indent="-342900" lvl="0" marL="457200" rtl="0">
-              <a:lnSpc>
-                <a:spcPct val="115000"/>
-              </a:lnSpc>
-              <a:spcBef>
-                <a:spcPts val="0"/>
-              </a:spcBef>
-              <a:spcAft>
-                <a:spcPts val="0"/>
-              </a:spcAft>
-              <a:buClr>
-                <a:srgbClr val="EFEFEF"/>
-              </a:buClr>
-              <a:buSzPts val="1800"/>
-              <a:buFont typeface="Lato"/>
-              <a:buChar char="●"/>
-            </a:pPr>
-            <a:r>
-              <a:rPr b="0" lang="en" sz="1800">
-                <a:solidFill>
-                  <a:srgbClr val="EFEFEF"/>
-                </a:solidFill>
-                <a:latin typeface="Lato"/>
-                <a:ea typeface="Lato"/>
-                <a:cs typeface="Lato"/>
-                <a:sym typeface="Lato"/>
-              </a:rPr>
-              <a:t>Flexible input size and type</a:t>
-            </a:r>
-            <a:endParaRPr b="0" sz="1800">
-              <a:solidFill>
-                <a:srgbClr val="EFEFEF"/>
-              </a:solidFill>
-              <a:latin typeface="Lato"/>
-              <a:ea typeface="Lato"/>
-              <a:cs typeface="Lato"/>
-              <a:sym typeface="Lato"/>
-            </a:endParaRPr>
-          </a:p>
-          <a:p>
-            <a:pPr indent="-342900" lvl="0" marL="457200" rtl="0">
-              <a:lnSpc>
-                <a:spcPct val="115000"/>
-              </a:lnSpc>
-              <a:spcBef>
-                <a:spcPts val="0"/>
-              </a:spcBef>
-              <a:spcAft>
-                <a:spcPts val="0"/>
-              </a:spcAft>
-              <a:buClr>
-                <a:srgbClr val="EFEFEF"/>
-              </a:buClr>
-              <a:buSzPts val="1800"/>
-              <a:buFont typeface="Lato"/>
-              <a:buChar char="●"/>
-            </a:pPr>
-            <a:r>
-              <a:rPr b="0" lang="en" sz="1800">
-                <a:solidFill>
-                  <a:srgbClr val="EFEFEF"/>
-                </a:solidFill>
-                <a:latin typeface="Lato"/>
-                <a:ea typeface="Lato"/>
-                <a:cs typeface="Lato"/>
-                <a:sym typeface="Lato"/>
-              </a:rPr>
-              <a:t>Substantial data reduction</a:t>
-            </a:r>
-            <a:endParaRPr b="0" sz="1800">
-              <a:solidFill>
-                <a:srgbClr val="EFEFEF"/>
-              </a:solidFill>
-              <a:latin typeface="Lato"/>
-              <a:ea typeface="Lato"/>
-              <a:cs typeface="Lato"/>
-              <a:sym typeface="Lato"/>
-            </a:endParaRPr>
-          </a:p>
-          <a:p>
-            <a:pPr indent="-342900" lvl="0" marL="457200" rtl="0">
-              <a:lnSpc>
-                <a:spcPct val="115000"/>
-              </a:lnSpc>
-              <a:spcBef>
-                <a:spcPts val="0"/>
-              </a:spcBef>
-              <a:spcAft>
-                <a:spcPts val="0"/>
-              </a:spcAft>
-              <a:buClr>
-                <a:srgbClr val="EFEFEF"/>
-              </a:buClr>
-              <a:buSzPts val="1800"/>
-              <a:buFont typeface="Lato"/>
-              <a:buChar char="●"/>
-            </a:pPr>
-            <a:r>
-              <a:rPr b="0" lang="en" sz="1800">
-                <a:solidFill>
-                  <a:srgbClr val="EFEFEF"/>
-                </a:solidFill>
-                <a:latin typeface="Lato"/>
-                <a:ea typeface="Lato"/>
-                <a:cs typeface="Lato"/>
-                <a:sym typeface="Lato"/>
-              </a:rPr>
-              <a:t>Effort moved to preprocessing, testing is almost instant: can prepare data regardless of network architecture</a:t>
-            </a:r>
-            <a:endParaRPr b="0" sz="1800">
-              <a:solidFill>
-                <a:srgbClr val="EFEFEF"/>
-              </a:solidFill>
-              <a:latin typeface="Lato"/>
-              <a:ea typeface="Lato"/>
-              <a:cs typeface="Lato"/>
-              <a:sym typeface="Lato"/>
-            </a:endParaRPr>
-          </a:p>
-          <a:p>
-            <a:pPr indent="0" lvl="0" marL="0" rtl="0">
-              <a:lnSpc>
-                <a:spcPct val="115000"/>
-              </a:lnSpc>
-              <a:spcBef>
-                <a:spcPts val="1600"/>
-              </a:spcBef>
-              <a:spcAft>
-                <a:spcPts val="1600"/>
-              </a:spcAft>
-              <a:buNone/>
-            </a:pPr>
-            <a:r>
-              <a:t/>
-            </a:r>
-            <a:endParaRPr b="0" sz="1800">
-              <a:solidFill>
-                <a:srgbClr val="EFEFEF"/>
-              </a:solidFill>
-              <a:latin typeface="Lato"/>
-              <a:ea typeface="Lato"/>
-              <a:cs typeface="Lato"/>
-              <a:sym typeface="Lato"/>
-            </a:endParaRPr>
-          </a:p>
-        </p:txBody>
-      </p:sp>
-      <p:sp>
-        <p:nvSpPr>
-          <p:cNvPr id="214" name="Shape 214"/>
-          <p:cNvSpPr txBox="1"/>
-          <p:nvPr>
-            <p:ph type="title"/>
-          </p:nvPr>
-        </p:nvSpPr>
-        <p:spPr>
-          <a:xfrm>
-            <a:off x="283100" y="712150"/>
-            <a:ext cx="7693800" cy="977400"/>
+            <a:off x="283100" y="254950"/>
+            <a:ext cx="8396400" cy="977400"/>
           </a:xfrm>
           <a:prstGeom prst="rect">
             <a:avLst/>
@@ -10727,7 +10468,7 @@
             </a:pPr>
             <a:r>
               <a:rPr lang="en"/>
-              <a:t>Conclusions</a:t>
+              <a:t>Gif, demos (changing dmul)</a:t>
             </a:r>
             <a:endParaRPr>
               <a:solidFill>
@@ -10737,9 +10478,93 @@
           </a:p>
         </p:txBody>
       </p:sp>
+      <p:pic>
+        <p:nvPicPr>
+          <p:cNvPr id="209" name="Shape 209"/>
+          <p:cNvPicPr preferRelativeResize="0"/>
+          <p:nvPr/>
+        </p:nvPicPr>
+        <p:blipFill>
+          <a:blip r:embed="rId3">
+            <a:alphaModFix/>
+          </a:blip>
+          <a:stretch>
+            <a:fillRect/>
+          </a:stretch>
+        </p:blipFill>
+        <p:spPr>
+          <a:xfrm>
+            <a:off x="73775" y="1301187"/>
+            <a:ext cx="3753025" cy="2541125"/>
+          </a:xfrm>
+          <a:prstGeom prst="rect">
+            <a:avLst/>
+          </a:prstGeom>
+          <a:noFill/>
+          <a:ln>
+            <a:noFill/>
+          </a:ln>
+        </p:spPr>
+      </p:pic>
+      <p:pic>
+        <p:nvPicPr>
+          <p:cNvPr id="210" name="Shape 210"/>
+          <p:cNvPicPr preferRelativeResize="0"/>
+          <p:nvPr/>
+        </p:nvPicPr>
+        <p:blipFill>
+          <a:blip r:embed="rId4">
+            <a:alphaModFix/>
+          </a:blip>
+          <a:stretch>
+            <a:fillRect/>
+          </a:stretch>
+        </p:blipFill>
+        <p:spPr>
+          <a:xfrm>
+            <a:off x="6661475" y="1120200"/>
+            <a:ext cx="2438400" cy="2438400"/>
+          </a:xfrm>
+          <a:prstGeom prst="rect">
+            <a:avLst/>
+          </a:prstGeom>
+          <a:noFill/>
+          <a:ln>
+            <a:noFill/>
+          </a:ln>
+        </p:spPr>
+      </p:pic>
+      <p:pic>
+        <p:nvPicPr>
+          <p:cNvPr id="211" name="Shape 211"/>
+          <p:cNvPicPr preferRelativeResize="0"/>
+          <p:nvPr/>
+        </p:nvPicPr>
+        <p:blipFill>
+          <a:blip r:embed="rId5">
+            <a:alphaModFix/>
+          </a:blip>
+          <a:stretch>
+            <a:fillRect/>
+          </a:stretch>
+        </p:blipFill>
+        <p:spPr>
+          <a:xfrm>
+            <a:off x="3926150" y="2939500"/>
+            <a:ext cx="2635975" cy="2033475"/>
+          </a:xfrm>
+          <a:prstGeom prst="rect">
+            <a:avLst/>
+          </a:prstGeom>
+          <a:noFill/>
+          <a:ln>
+            <a:noFill/>
+          </a:ln>
+        </p:spPr>
+      </p:pic>
       <p:sp>
         <p:nvSpPr>
-          <p:cNvPr id="215" name="Shape 215"/>
+          <p:cNvPr id="212" name="Shape 212"/>
           <p:cNvSpPr txBox="1"/>
           <p:nvPr>
             <p:ph idx="12" type="sldNum"/>
@@ -10790,7 +10615,7 @@
   <p:cSld>
     <p:spTree>
       <p:nvGrpSpPr>
-        <p:cNvPr id="219" name="Shape 219"/>
+        <p:cNvPr id="216" name="Shape 216"/>
         <p:cNvGrpSpPr/>
         <p:nvPr/>
       </p:nvGrpSpPr>
@@ -10804,200 +10629,7 @@
       </p:grpSpPr>
       <p:sp>
         <p:nvSpPr>
-          <p:cNvPr id="220" name="Shape 220"/>
-          <p:cNvSpPr txBox="1"/>
-          <p:nvPr>
-            <p:ph type="title"/>
-          </p:nvPr>
-        </p:nvSpPr>
-        <p:spPr>
-          <a:xfrm>
-            <a:off x="283100" y="254950"/>
-            <a:ext cx="8396400" cy="977400"/>
-          </a:xfrm>
-          <a:prstGeom prst="rect">
-            <a:avLst/>
-          </a:prstGeom>
-        </p:spPr>
-        <p:txBody>
-          <a:bodyPr anchorCtr="0" anchor="t" bIns="91425" lIns="91425" spcFirstLastPara="1" rIns="91425" wrap="square" tIns="91425">
-            <a:noAutofit/>
-          </a:bodyPr>
-          <a:lstStyle/>
-          <a:p>
-            <a:pPr indent="0" lvl="0" marL="0" rtl="0">
-              <a:spcBef>
-                <a:spcPts val="0"/>
-              </a:spcBef>
-              <a:spcAft>
-                <a:spcPts val="0"/>
-              </a:spcAft>
-              <a:buNone/>
-            </a:pPr>
-            <a:r>
-              <a:rPr lang="en"/>
-              <a:t>Gif, demos (changing dmul)</a:t>
-            </a:r>
-            <a:endParaRPr>
-              <a:solidFill>
-                <a:schemeClr val="accent5"/>
-              </a:solidFill>
-            </a:endParaRPr>
-          </a:p>
-        </p:txBody>
-      </p:sp>
-      <p:pic>
-        <p:nvPicPr>
-          <p:cNvPr id="221" name="Shape 221"/>
-          <p:cNvPicPr preferRelativeResize="0"/>
-          <p:nvPr/>
-        </p:nvPicPr>
-        <p:blipFill>
-          <a:blip r:embed="rId3">
-            <a:alphaModFix/>
-          </a:blip>
-          <a:stretch>
-            <a:fillRect/>
-          </a:stretch>
-        </p:blipFill>
-        <p:spPr>
-          <a:xfrm>
-            <a:off x="73775" y="1301187"/>
-            <a:ext cx="3753025" cy="2541125"/>
-          </a:xfrm>
-          <a:prstGeom prst="rect">
-            <a:avLst/>
-          </a:prstGeom>
-          <a:noFill/>
-          <a:ln>
-            <a:noFill/>
-          </a:ln>
-        </p:spPr>
-      </p:pic>
-      <p:pic>
-        <p:nvPicPr>
-          <p:cNvPr id="222" name="Shape 222"/>
-          <p:cNvPicPr preferRelativeResize="0"/>
-          <p:nvPr/>
-        </p:nvPicPr>
-        <p:blipFill>
-          <a:blip r:embed="rId4">
-            <a:alphaModFix/>
-          </a:blip>
-          <a:stretch>
-            <a:fillRect/>
-          </a:stretch>
-        </p:blipFill>
-        <p:spPr>
-          <a:xfrm>
-            <a:off x="6661475" y="1120200"/>
-            <a:ext cx="2438400" cy="2438400"/>
-          </a:xfrm>
-          <a:prstGeom prst="rect">
-            <a:avLst/>
-          </a:prstGeom>
-          <a:noFill/>
-          <a:ln>
-            <a:noFill/>
-          </a:ln>
-        </p:spPr>
-      </p:pic>
-      <p:pic>
-        <p:nvPicPr>
-          <p:cNvPr id="223" name="Shape 223"/>
-          <p:cNvPicPr preferRelativeResize="0"/>
-          <p:nvPr/>
-        </p:nvPicPr>
-        <p:blipFill>
-          <a:blip r:embed="rId5">
-            <a:alphaModFix/>
-          </a:blip>
-          <a:stretch>
-            <a:fillRect/>
-          </a:stretch>
-        </p:blipFill>
-        <p:spPr>
-          <a:xfrm>
-            <a:off x="3926150" y="2939500"/>
-            <a:ext cx="2635975" cy="2033475"/>
-          </a:xfrm>
-          <a:prstGeom prst="rect">
-            <a:avLst/>
-          </a:prstGeom>
-          <a:noFill/>
-          <a:ln>
-            <a:noFill/>
-          </a:ln>
-        </p:spPr>
-      </p:pic>
-      <p:sp>
-        <p:nvSpPr>
-          <p:cNvPr id="224" name="Shape 224"/>
-          <p:cNvSpPr txBox="1"/>
-          <p:nvPr>
-            <p:ph idx="12" type="sldNum"/>
-          </p:nvPr>
-        </p:nvSpPr>
-        <p:spPr>
-          <a:xfrm>
-            <a:off x="8497999" y="4688759"/>
-            <a:ext cx="548700" cy="393600"/>
-          </a:xfrm>
-          <a:prstGeom prst="rect">
-            <a:avLst/>
-          </a:prstGeom>
-        </p:spPr>
-        <p:txBody>
-          <a:bodyPr anchorCtr="0" anchor="ctr" bIns="91425" lIns="91425" spcFirstLastPara="1" rIns="91425" wrap="square" tIns="91425">
-            <a:noAutofit/>
-          </a:bodyPr>
-          <a:lstStyle/>
-          <a:p>
-            <a:pPr indent="0" lvl="0" marL="0">
-              <a:spcBef>
-                <a:spcPts val="0"/>
-              </a:spcBef>
-              <a:spcAft>
-                <a:spcPts val="0"/>
-              </a:spcAft>
-              <a:buNone/>
-            </a:pPr>
-            <a:fld id="{00000000-1234-1234-1234-123412341234}" type="slidenum">
-              <a:rPr lang="en"/>
-              <a:t>‹#›</a:t>
-            </a:fld>
-            <a:endParaRPr/>
-          </a:p>
-        </p:txBody>
-      </p:sp>
-    </p:spTree>
-  </p:cSld>
-  <p:clrMapOvr>
-    <a:masterClrMapping/>
-  </p:clrMapOvr>
-</p:sld>
-</file>
-
-<file path=ppt/slides/slide18.xml><?xml version="1.0" encoding="utf-8"?>
-<p:sld xmlns:a="http://schemas.openxmlformats.org/drawingml/2006/main" xmlns:r="http://schemas.openxmlformats.org/officeDocument/2006/relationships" xmlns:mc="http://schemas.openxmlformats.org/markup-compatibility/2006" xmlns:mv="urn:schemas-microsoft-com:mac:vml" xmlns:p="http://schemas.openxmlformats.org/presentationml/2006/main" xmlns:c="http://schemas.openxmlformats.org/drawingml/2006/chart" xmlns:dgm="http://schemas.openxmlformats.org/drawingml/2006/diagram" xmlns:o="urn:schemas-microsoft-com:office:office" xmlns:v="urn:schemas-microsoft-com:vml" xmlns:pvml="urn:schemas-microsoft-com:office:powerpoint" xmlns:com="http://schemas.openxmlformats.org/drawingml/2006/compatibility" xmlns:p14="http://schemas.microsoft.com/office/powerpoint/2010/main" xmlns:p15="http://schemas.microsoft.com/office/powerpoint/2012/main">
-  <p:cSld>
-    <p:spTree>
-      <p:nvGrpSpPr>
-        <p:cNvPr id="228" name="Shape 228"/>
-        <p:cNvGrpSpPr/>
-        <p:nvPr/>
-      </p:nvGrpSpPr>
-      <p:grpSpPr>
-        <a:xfrm>
-          <a:off x="0" y="0"/>
-          <a:ext cx="0" cy="0"/>
-          <a:chOff x="0" y="0"/>
-          <a:chExt cx="0" cy="0"/>
-        </a:xfrm>
-      </p:grpSpPr>
-      <p:sp>
-        <p:nvSpPr>
-          <p:cNvPr id="229" name="Shape 229"/>
+          <p:cNvPr id="217" name="Shape 217"/>
           <p:cNvSpPr txBox="1"/>
           <p:nvPr>
             <p:ph type="title"/>
@@ -11037,7 +10669,7 @@
       </p:sp>
       <p:sp>
         <p:nvSpPr>
-          <p:cNvPr id="230" name="Shape 230"/>
+          <p:cNvPr id="218" name="Shape 218"/>
           <p:cNvSpPr txBox="1"/>
           <p:nvPr>
             <p:ph idx="12" type="sldNum"/>
@@ -12141,11 +11773,7 @@
             </a:pPr>
             <a:r>
               <a:rPr lang="en"/>
-              <a:t>1) </a:t>
-            </a:r>
-            <a:r>
-              <a:rPr lang="en"/>
-              <a:t>Acquiring images</a:t>
+              <a:t>Images to XYRGB</a:t>
             </a:r>
             <a:endParaRPr>
               <a:solidFill>
@@ -12163,7 +11791,7 @@
         </p:nvGrpSpPr>
         <p:grpSpPr>
           <a:xfrm>
-            <a:off x="6705188" y="2464035"/>
+            <a:off x="6705838" y="1933260"/>
             <a:ext cx="2212050" cy="2537076"/>
             <a:chOff x="6803275" y="395363"/>
             <a:chExt cx="2212050" cy="2537076"/>
@@ -12273,7 +11901,7 @@
                   <a:cs typeface="Raleway"/>
                   <a:sym typeface="Raleway"/>
                 </a:rPr>
-                <a:t>ImageSoup</a:t>
+                <a:t>Flattened meshgrid</a:t>
               </a:r>
               <a:endParaRPr b="1">
                 <a:solidFill>
@@ -12305,7 +11933,7 @@
                   <a:cs typeface="Raleway"/>
                   <a:sym typeface="Raleway"/>
                 </a:rPr>
-                <a:t>A simple Python library for quickly scraping images by a certain query</a:t>
+                <a:t>Each 5-D unit has its coordinates normalised by the shortest side</a:t>
               </a:r>
               <a:endParaRPr sz="1200">
                 <a:solidFill>
@@ -12337,7 +11965,7 @@
                   <a:cs typeface="Raleway"/>
                   <a:sym typeface="Raleway"/>
                 </a:rPr>
-                <a:t>Cifar-10</a:t>
+                <a:t>Normalised RGB</a:t>
               </a:r>
               <a:endParaRPr sz="1200">
                 <a:solidFill>
@@ -12369,7 +11997,7 @@
                   <a:cs typeface="Raleway"/>
                   <a:sym typeface="Raleway"/>
                 </a:rPr>
-                <a:t>A classic dataset of 60000 small images.</a:t>
+                <a:t>We normalise the RGB components to [0, 1].</a:t>
               </a:r>
               <a:endParaRPr b="1" sz="1200">
                 <a:solidFill>
@@ -12400,8 +12028,8 @@
         </p:blipFill>
         <p:spPr>
           <a:xfrm>
-            <a:off x="298575" y="2866650"/>
-            <a:ext cx="5953125" cy="1390650"/>
+            <a:off x="1051625" y="2525525"/>
+            <a:ext cx="4756874" cy="1286050"/>
           </a:xfrm>
           <a:prstGeom prst="rect">
             <a:avLst/>
@@ -12428,8 +12056,8 @@
         </p:blipFill>
         <p:spPr>
           <a:xfrm>
-            <a:off x="298575" y="1744725"/>
-            <a:ext cx="7219950" cy="552450"/>
+            <a:off x="415388" y="2473225"/>
+            <a:ext cx="6029325" cy="1381125"/>
           </a:xfrm>
           <a:prstGeom prst="rect">
             <a:avLst/>
@@ -12539,11 +12167,7 @@
             </a:pPr>
             <a:r>
               <a:rPr lang="en"/>
-              <a:t>2</a:t>
-            </a:r>
-            <a:r>
-              <a:rPr lang="en"/>
-              <a:t>) Images to XYRGB</a:t>
+              <a:t>Superpixels (SLIC)</a:t>
             </a:r>
             <a:endParaRPr>
               <a:solidFill>
@@ -12561,8 +12185,8 @@
         </p:nvGrpSpPr>
         <p:grpSpPr>
           <a:xfrm>
-            <a:off x="6705838" y="1933260"/>
-            <a:ext cx="2212050" cy="2537076"/>
+            <a:off x="6705837" y="1933271"/>
+            <a:ext cx="2212050" cy="2081417"/>
             <a:chOff x="6803275" y="395363"/>
             <a:chExt cx="2212050" cy="2537076"/>
           </a:xfrm>
@@ -12671,400 +12295,6 @@
                   <a:cs typeface="Raleway"/>
                   <a:sym typeface="Raleway"/>
                 </a:rPr>
-                <a:t>Flattened meshgrid</a:t>
-              </a:r>
-              <a:endParaRPr b="1">
-                <a:solidFill>
-                  <a:schemeClr val="dk1"/>
-                </a:solidFill>
-                <a:latin typeface="Raleway"/>
-                <a:ea typeface="Raleway"/>
-                <a:cs typeface="Raleway"/>
-                <a:sym typeface="Raleway"/>
-              </a:endParaRPr>
-            </a:p>
-            <a:p>
-              <a:pPr indent="0" lvl="0" marL="0" rtl="0">
-                <a:spcBef>
-                  <a:spcPts val="800"/>
-                </a:spcBef>
-                <a:spcAft>
-                  <a:spcPts val="0"/>
-                </a:spcAft>
-                <a:buNone/>
-              </a:pPr>
-              <a:r>
-                <a:rPr lang="en" sz="1200">
-                  <a:solidFill>
-                    <a:schemeClr val="dk2"/>
-                  </a:solidFill>
-                  <a:latin typeface="Raleway"/>
-                  <a:ea typeface="Raleway"/>
-                  <a:cs typeface="Raleway"/>
-                  <a:sym typeface="Raleway"/>
-                </a:rPr>
-                <a:t>Each 5-D unit has its coordinates normalised by the shortest side</a:t>
-              </a:r>
-              <a:endParaRPr sz="1200">
-                <a:solidFill>
-                  <a:schemeClr val="dk2"/>
-                </a:solidFill>
-                <a:latin typeface="Raleway"/>
-                <a:ea typeface="Raleway"/>
-                <a:cs typeface="Raleway"/>
-                <a:sym typeface="Raleway"/>
-              </a:endParaRPr>
-            </a:p>
-            <a:p>
-              <a:pPr indent="0" lvl="0" marL="0" rtl="0">
-                <a:spcBef>
-                  <a:spcPts val="800"/>
-                </a:spcBef>
-                <a:spcAft>
-                  <a:spcPts val="0"/>
-                </a:spcAft>
-                <a:buNone/>
-              </a:pPr>
-              <a:r>
-                <a:rPr b="1" lang="en">
-                  <a:solidFill>
-                    <a:schemeClr val="dk1"/>
-                  </a:solidFill>
-                  <a:latin typeface="Raleway"/>
-                  <a:ea typeface="Raleway"/>
-                  <a:cs typeface="Raleway"/>
-                  <a:sym typeface="Raleway"/>
-                </a:rPr>
-                <a:t>Normalised RGB</a:t>
-              </a:r>
-              <a:endParaRPr sz="1200">
-                <a:solidFill>
-                  <a:schemeClr val="dk2"/>
-                </a:solidFill>
-                <a:latin typeface="Raleway"/>
-                <a:ea typeface="Raleway"/>
-                <a:cs typeface="Raleway"/>
-                <a:sym typeface="Raleway"/>
-              </a:endParaRPr>
-            </a:p>
-            <a:p>
-              <a:pPr indent="0" lvl="0" marL="0" rtl="0">
-                <a:spcBef>
-                  <a:spcPts val="800"/>
-                </a:spcBef>
-                <a:spcAft>
-                  <a:spcPts val="800"/>
-                </a:spcAft>
-                <a:buNone/>
-              </a:pPr>
-              <a:r>
-                <a:rPr lang="en" sz="1200">
-                  <a:solidFill>
-                    <a:schemeClr val="dk2"/>
-                  </a:solidFill>
-                  <a:latin typeface="Raleway"/>
-                  <a:ea typeface="Raleway"/>
-                  <a:cs typeface="Raleway"/>
-                  <a:sym typeface="Raleway"/>
-                </a:rPr>
-                <a:t>We normalise the RGB components to [0, 1].</a:t>
-              </a:r>
-              <a:endParaRPr b="1" sz="1200">
-                <a:solidFill>
-                  <a:schemeClr val="dk2"/>
-                </a:solidFill>
-                <a:latin typeface="Raleway"/>
-                <a:ea typeface="Raleway"/>
-                <a:cs typeface="Raleway"/>
-                <a:sym typeface="Raleway"/>
-              </a:endParaRPr>
-            </a:p>
-          </p:txBody>
-        </p:sp>
-      </p:grpSp>
-      <p:pic>
-        <p:nvPicPr>
-          <p:cNvPr id="119" name="Shape 119"/>
-          <p:cNvPicPr preferRelativeResize="0"/>
-          <p:nvPr/>
-        </p:nvPicPr>
-        <p:blipFill>
-          <a:blip r:embed="rId5">
-            <a:alphaModFix/>
-          </a:blip>
-          <a:stretch>
-            <a:fillRect/>
-          </a:stretch>
-        </p:blipFill>
-        <p:spPr>
-          <a:xfrm>
-            <a:off x="582088" y="1692175"/>
-            <a:ext cx="5848350" cy="1581150"/>
-          </a:xfrm>
-          <a:prstGeom prst="rect">
-            <a:avLst/>
-          </a:prstGeom>
-          <a:noFill/>
-          <a:ln>
-            <a:noFill/>
-          </a:ln>
-        </p:spPr>
-      </p:pic>
-      <p:pic>
-        <p:nvPicPr>
-          <p:cNvPr id="120" name="Shape 120"/>
-          <p:cNvPicPr preferRelativeResize="0"/>
-          <p:nvPr/>
-        </p:nvPicPr>
-        <p:blipFill>
-          <a:blip r:embed="rId6">
-            <a:alphaModFix/>
-          </a:blip>
-          <a:stretch>
-            <a:fillRect/>
-          </a:stretch>
-        </p:blipFill>
-        <p:spPr>
-          <a:xfrm>
-            <a:off x="491588" y="3387625"/>
-            <a:ext cx="6029325" cy="1381125"/>
-          </a:xfrm>
-          <a:prstGeom prst="rect">
-            <a:avLst/>
-          </a:prstGeom>
-          <a:noFill/>
-          <a:ln>
-            <a:noFill/>
-          </a:ln>
-        </p:spPr>
-      </p:pic>
-      <p:sp>
-        <p:nvSpPr>
-          <p:cNvPr id="121" name="Shape 121"/>
-          <p:cNvSpPr txBox="1"/>
-          <p:nvPr>
-            <p:ph idx="12" type="sldNum"/>
-          </p:nvPr>
-        </p:nvSpPr>
-        <p:spPr>
-          <a:xfrm>
-            <a:off x="8497999" y="4688759"/>
-            <a:ext cx="548700" cy="393600"/>
-          </a:xfrm>
-          <a:prstGeom prst="rect">
-            <a:avLst/>
-          </a:prstGeom>
-        </p:spPr>
-        <p:txBody>
-          <a:bodyPr anchorCtr="0" anchor="ctr" bIns="91425" lIns="91425" spcFirstLastPara="1" rIns="91425" wrap="square" tIns="91425">
-            <a:noAutofit/>
-          </a:bodyPr>
-          <a:lstStyle/>
-          <a:p>
-            <a:pPr indent="0" lvl="0" marL="0">
-              <a:spcBef>
-                <a:spcPts val="0"/>
-              </a:spcBef>
-              <a:spcAft>
-                <a:spcPts val="0"/>
-              </a:spcAft>
-              <a:buNone/>
-            </a:pPr>
-            <a:fld id="{00000000-1234-1234-1234-123412341234}" type="slidenum">
-              <a:rPr lang="en"/>
-              <a:t>‹#›</a:t>
-            </a:fld>
-            <a:endParaRPr/>
-          </a:p>
-        </p:txBody>
-      </p:sp>
-    </p:spTree>
-  </p:cSld>
-  <p:clrMapOvr>
-    <a:masterClrMapping/>
-  </p:clrMapOvr>
-</p:sld>
-</file>
-
-<file path=ppt/slides/slide7.xml><?xml version="1.0" encoding="utf-8"?>
-<p:sld xmlns:a="http://schemas.openxmlformats.org/drawingml/2006/main" xmlns:r="http://schemas.openxmlformats.org/officeDocument/2006/relationships" xmlns:mc="http://schemas.openxmlformats.org/markup-compatibility/2006" xmlns:mv="urn:schemas-microsoft-com:mac:vml" xmlns:p="http://schemas.openxmlformats.org/presentationml/2006/main" xmlns:c="http://schemas.openxmlformats.org/drawingml/2006/chart" xmlns:dgm="http://schemas.openxmlformats.org/drawingml/2006/diagram" xmlns:o="urn:schemas-microsoft-com:office:office" xmlns:v="urn:schemas-microsoft-com:vml" xmlns:pvml="urn:schemas-microsoft-com:office:powerpoint" xmlns:com="http://schemas.openxmlformats.org/drawingml/2006/compatibility" xmlns:p14="http://schemas.microsoft.com/office/powerpoint/2010/main" xmlns:p15="http://schemas.microsoft.com/office/powerpoint/2012/main">
-  <p:cSld>
-    <p:spTree>
-      <p:nvGrpSpPr>
-        <p:cNvPr id="125" name="Shape 125"/>
-        <p:cNvGrpSpPr/>
-        <p:nvPr/>
-      </p:nvGrpSpPr>
-      <p:grpSpPr>
-        <a:xfrm>
-          <a:off x="0" y="0"/>
-          <a:ext cx="0" cy="0"/>
-          <a:chOff x="0" y="0"/>
-          <a:chExt cx="0" cy="0"/>
-        </a:xfrm>
-      </p:grpSpPr>
-      <p:sp>
-        <p:nvSpPr>
-          <p:cNvPr id="126" name="Shape 126"/>
-          <p:cNvSpPr txBox="1"/>
-          <p:nvPr>
-            <p:ph type="title"/>
-          </p:nvPr>
-        </p:nvSpPr>
-        <p:spPr>
-          <a:xfrm>
-            <a:off x="298575" y="402775"/>
-            <a:ext cx="8716500" cy="1175100"/>
-          </a:xfrm>
-          <a:prstGeom prst="rect">
-            <a:avLst/>
-          </a:prstGeom>
-        </p:spPr>
-        <p:txBody>
-          <a:bodyPr anchorCtr="0" anchor="t" bIns="91425" lIns="91425" spcFirstLastPara="1" rIns="91425" wrap="square" tIns="91425">
-            <a:noAutofit/>
-          </a:bodyPr>
-          <a:lstStyle/>
-          <a:p>
-            <a:pPr indent="0" lvl="0" marL="0" rtl="0">
-              <a:spcBef>
-                <a:spcPts val="0"/>
-              </a:spcBef>
-              <a:spcAft>
-                <a:spcPts val="0"/>
-              </a:spcAft>
-              <a:buNone/>
-            </a:pPr>
-            <a:r>
-              <a:rPr lang="en"/>
-              <a:t>3) Superpixels (SLIC)</a:t>
-            </a:r>
-            <a:endParaRPr>
-              <a:solidFill>
-                <a:schemeClr val="accent5"/>
-              </a:solidFill>
-            </a:endParaRPr>
-          </a:p>
-        </p:txBody>
-      </p:sp>
-      <p:grpSp>
-        <p:nvGrpSpPr>
-          <p:cNvPr id="127" name="Shape 127"/>
-          <p:cNvGrpSpPr/>
-          <p:nvPr/>
-        </p:nvGrpSpPr>
-        <p:grpSpPr>
-          <a:xfrm>
-            <a:off x="6705837" y="1933271"/>
-            <a:ext cx="2212050" cy="2081417"/>
-            <a:chOff x="6803275" y="395363"/>
-            <a:chExt cx="2212050" cy="2537076"/>
-          </a:xfrm>
-        </p:grpSpPr>
-        <p:pic>
-          <p:nvPicPr>
-            <p:cNvPr id="128" name="Shape 128"/>
-            <p:cNvPicPr preferRelativeResize="0"/>
-            <p:nvPr/>
-          </p:nvPicPr>
-          <p:blipFill>
-            <a:blip r:embed="rId3">
-              <a:alphaModFix/>
-            </a:blip>
-            <a:stretch>
-              <a:fillRect/>
-            </a:stretch>
-          </p:blipFill>
-          <p:spPr>
-            <a:xfrm>
-              <a:off x="6803275" y="427445"/>
-              <a:ext cx="2212050" cy="2504994"/>
-            </a:xfrm>
-            <a:prstGeom prst="rect">
-              <a:avLst/>
-            </a:prstGeom>
-            <a:noFill/>
-            <a:ln>
-              <a:noFill/>
-            </a:ln>
-          </p:spPr>
-        </p:pic>
-        <p:pic>
-          <p:nvPicPr>
-            <p:cNvPr descr="Piece of duct tape sticking a note to the slide" id="129" name="Shape 129"/>
-            <p:cNvPicPr preferRelativeResize="0"/>
-            <p:nvPr/>
-          </p:nvPicPr>
-          <p:blipFill rotWithShape="1">
-            <a:blip r:embed="rId4">
-              <a:alphaModFix/>
-            </a:blip>
-            <a:srcRect b="10011" l="9244" r="2118" t="5926"/>
-            <a:stretch/>
-          </p:blipFill>
-          <p:spPr>
-            <a:xfrm rot="154826">
-              <a:off x="7370663" y="419419"/>
-              <a:ext cx="1077273" cy="382687"/>
-            </a:xfrm>
-            <a:prstGeom prst="rect">
-              <a:avLst/>
-            </a:prstGeom>
-            <a:noFill/>
-            <a:ln>
-              <a:noFill/>
-            </a:ln>
-          </p:spPr>
-        </p:pic>
-        <p:sp>
-          <p:nvSpPr>
-            <p:cNvPr id="130" name="Shape 130"/>
-            <p:cNvSpPr txBox="1"/>
-            <p:nvPr/>
-          </p:nvSpPr>
-          <p:spPr>
-            <a:xfrm>
-              <a:off x="6944800" y="684231"/>
-              <a:ext cx="1929000" cy="2004000"/>
-            </a:xfrm>
-            <a:prstGeom prst="rect">
-              <a:avLst/>
-            </a:prstGeom>
-            <a:noFill/>
-            <a:ln>
-              <a:noFill/>
-            </a:ln>
-          </p:spPr>
-          <p:txBody>
-            <a:bodyPr anchorCtr="0" anchor="t" bIns="91425" lIns="91425" spcFirstLastPara="1" rIns="91425" wrap="square" tIns="91425">
-              <a:noAutofit/>
-            </a:bodyPr>
-            <a:lstStyle/>
-            <a:p>
-              <a:pPr indent="0" lvl="0" marL="0" rtl="0">
-                <a:spcBef>
-                  <a:spcPts val="0"/>
-                </a:spcBef>
-                <a:spcAft>
-                  <a:spcPts val="0"/>
-                </a:spcAft>
-                <a:buClr>
-                  <a:schemeClr val="dk2"/>
-                </a:buClr>
-                <a:buSzPts val="1100"/>
-                <a:buFont typeface="Arial"/>
-                <a:buNone/>
-              </a:pPr>
-              <a:r>
-                <a:rPr b="1" lang="en">
-                  <a:solidFill>
-                    <a:schemeClr val="dk1"/>
-                  </a:solidFill>
-                  <a:latin typeface="Raleway"/>
-                  <a:ea typeface="Raleway"/>
-                  <a:cs typeface="Raleway"/>
-                  <a:sym typeface="Raleway"/>
-                </a:rPr>
                 <a:t>Inspiration: SLIC</a:t>
               </a:r>
               <a:endParaRPr b="1">
@@ -13114,7 +12344,7 @@
       </p:grpSp>
       <p:pic>
         <p:nvPicPr>
-          <p:cNvPr id="131" name="Shape 131"/>
+          <p:cNvPr id="119" name="Shape 119"/>
           <p:cNvPicPr preferRelativeResize="0"/>
           <p:nvPr/>
         </p:nvPicPr>
@@ -13142,7 +12372,7 @@
       </p:pic>
       <p:sp>
         <p:nvSpPr>
-          <p:cNvPr id="132" name="Shape 132"/>
+          <p:cNvPr id="120" name="Shape 120"/>
           <p:cNvSpPr txBox="1"/>
           <p:nvPr>
             <p:ph idx="12" type="sldNum"/>
@@ -13188,12 +12418,12 @@
 </p:sld>
 </file>
 
-<file path=ppt/slides/slide8.xml><?xml version="1.0" encoding="utf-8"?>
+<file path=ppt/slides/slide7.xml><?xml version="1.0" encoding="utf-8"?>
 <p:sld xmlns:a="http://schemas.openxmlformats.org/drawingml/2006/main" xmlns:r="http://schemas.openxmlformats.org/officeDocument/2006/relationships" xmlns:mc="http://schemas.openxmlformats.org/markup-compatibility/2006" xmlns:mv="urn:schemas-microsoft-com:mac:vml" xmlns:p="http://schemas.openxmlformats.org/presentationml/2006/main" xmlns:c="http://schemas.openxmlformats.org/drawingml/2006/chart" xmlns:dgm="http://schemas.openxmlformats.org/drawingml/2006/diagram" xmlns:o="urn:schemas-microsoft-com:office:office" xmlns:v="urn:schemas-microsoft-com:vml" xmlns:pvml="urn:schemas-microsoft-com:office:powerpoint" xmlns:com="http://schemas.openxmlformats.org/drawingml/2006/compatibility" xmlns:p14="http://schemas.microsoft.com/office/powerpoint/2010/main" xmlns:p15="http://schemas.microsoft.com/office/powerpoint/2012/main">
   <p:cSld>
     <p:spTree>
       <p:nvGrpSpPr>
-        <p:cNvPr id="136" name="Shape 136"/>
+        <p:cNvPr id="124" name="Shape 124"/>
         <p:cNvGrpSpPr/>
         <p:nvPr/>
       </p:nvGrpSpPr>
@@ -13207,7 +12437,7 @@
       </p:grpSpPr>
       <p:sp>
         <p:nvSpPr>
-          <p:cNvPr id="137" name="Shape 137"/>
+          <p:cNvPr id="125" name="Shape 125"/>
           <p:cNvSpPr txBox="1"/>
           <p:nvPr>
             <p:ph type="title"/>
@@ -13239,7 +12469,7 @@
             </a:pPr>
             <a:r>
               <a:rPr lang="en"/>
-              <a:t>3) Superpixels</a:t>
+              <a:t>Superpixels</a:t>
             </a:r>
             <a:endParaRPr>
               <a:solidFill>
@@ -13251,7 +12481,7 @@
       </p:sp>
       <p:grpSp>
         <p:nvGrpSpPr>
-          <p:cNvPr id="138" name="Shape 138"/>
+          <p:cNvPr id="126" name="Shape 126"/>
           <p:cNvGrpSpPr/>
           <p:nvPr/>
         </p:nvGrpSpPr>
@@ -13265,7 +12495,7 @@
         </p:grpSpPr>
         <p:pic>
           <p:nvPicPr>
-            <p:cNvPr id="139" name="Shape 139"/>
+            <p:cNvPr id="127" name="Shape 127"/>
             <p:cNvPicPr preferRelativeResize="0"/>
             <p:nvPr/>
           </p:nvPicPr>
@@ -13293,7 +12523,7 @@
         </p:pic>
         <p:pic>
           <p:nvPicPr>
-            <p:cNvPr descr="Piece of duct tape sticking a note to the slide" id="140" name="Shape 140"/>
+            <p:cNvPr descr="Piece of duct tape sticking a note to the slide" id="128" name="Shape 128"/>
             <p:cNvPicPr preferRelativeResize="0"/>
             <p:nvPr/>
           </p:nvPicPr>
@@ -13320,7 +12550,7 @@
         </p:pic>
         <p:sp>
           <p:nvSpPr>
-            <p:cNvPr id="141" name="Shape 141"/>
+            <p:cNvPr id="129" name="Shape 129"/>
             <p:cNvSpPr txBox="1"/>
             <p:nvPr/>
           </p:nvSpPr>
@@ -13416,7 +12646,7 @@
       </p:grpSp>
       <p:pic>
         <p:nvPicPr>
-          <p:cNvPr id="142" name="Shape 142"/>
+          <p:cNvPr id="130" name="Shape 130"/>
           <p:cNvPicPr preferRelativeResize="0"/>
           <p:nvPr/>
         </p:nvPicPr>
@@ -13444,7 +12674,7 @@
       </p:pic>
       <p:sp>
         <p:nvSpPr>
-          <p:cNvPr id="143" name="Shape 143"/>
+          <p:cNvPr id="131" name="Shape 131"/>
           <p:cNvSpPr txBox="1"/>
           <p:nvPr>
             <p:ph idx="12" type="sldNum"/>
@@ -13490,12 +12720,12 @@
 </p:sld>
 </file>
 
-<file path=ppt/slides/slide9.xml><?xml version="1.0" encoding="utf-8"?>
+<file path=ppt/slides/slide8.xml><?xml version="1.0" encoding="utf-8"?>
 <p:sld xmlns:a="http://schemas.openxmlformats.org/drawingml/2006/main" xmlns:r="http://schemas.openxmlformats.org/officeDocument/2006/relationships" xmlns:mc="http://schemas.openxmlformats.org/markup-compatibility/2006" xmlns:mv="urn:schemas-microsoft-com:mac:vml" xmlns:p="http://schemas.openxmlformats.org/presentationml/2006/main" xmlns:c="http://schemas.openxmlformats.org/drawingml/2006/chart" xmlns:dgm="http://schemas.openxmlformats.org/drawingml/2006/diagram" xmlns:o="urn:schemas-microsoft-com:office:office" xmlns:v="urn:schemas-microsoft-com:vml" xmlns:pvml="urn:schemas-microsoft-com:office:powerpoint" xmlns:com="http://schemas.openxmlformats.org/drawingml/2006/compatibility" xmlns:p14="http://schemas.microsoft.com/office/powerpoint/2010/main" xmlns:p15="http://schemas.microsoft.com/office/powerpoint/2012/main">
   <p:cSld>
     <p:spTree>
       <p:nvGrpSpPr>
-        <p:cNvPr id="147" name="Shape 147"/>
+        <p:cNvPr id="135" name="Shape 135"/>
         <p:cNvGrpSpPr/>
         <p:nvPr/>
       </p:nvGrpSpPr>
@@ -13509,7 +12739,7 @@
       </p:grpSpPr>
       <p:grpSp>
         <p:nvGrpSpPr>
-          <p:cNvPr id="148" name="Shape 148"/>
+          <p:cNvPr id="136" name="Shape 136"/>
           <p:cNvGrpSpPr/>
           <p:nvPr/>
         </p:nvGrpSpPr>
@@ -13523,7 +12753,7 @@
         </p:grpSpPr>
         <p:pic>
           <p:nvPicPr>
-            <p:cNvPr id="149" name="Shape 149"/>
+            <p:cNvPr id="137" name="Shape 137"/>
             <p:cNvPicPr preferRelativeResize="0"/>
             <p:nvPr/>
           </p:nvPicPr>
@@ -13550,7 +12780,7 @@
         </p:pic>
         <p:pic>
           <p:nvPicPr>
-            <p:cNvPr descr="Piece of duct tape sticking a note to the slide" id="150" name="Shape 150"/>
+            <p:cNvPr descr="Piece of duct tape sticking a note to the slide" id="138" name="Shape 138"/>
             <p:cNvPicPr preferRelativeResize="0"/>
             <p:nvPr/>
           </p:nvPicPr>
@@ -13577,7 +12807,7 @@
         </p:pic>
         <p:sp>
           <p:nvSpPr>
-            <p:cNvPr id="151" name="Shape 151"/>
+            <p:cNvPr id="139" name="Shape 139"/>
             <p:cNvSpPr txBox="1"/>
             <p:nvPr/>
           </p:nvSpPr>
@@ -13806,7 +13036,7 @@
       </p:grpSp>
       <p:pic>
         <p:nvPicPr>
-          <p:cNvPr id="152" name="Shape 152"/>
+          <p:cNvPr id="140" name="Shape 140"/>
           <p:cNvPicPr preferRelativeResize="0"/>
           <p:nvPr/>
         </p:nvPicPr>
@@ -13834,7 +13064,7 @@
       </p:pic>
       <p:sp>
         <p:nvSpPr>
-          <p:cNvPr id="153" name="Shape 153"/>
+          <p:cNvPr id="141" name="Shape 141"/>
           <p:cNvSpPr txBox="1"/>
           <p:nvPr>
             <p:ph idx="12" type="sldNum"/>
@@ -13856,6 +13086,275 @@
           <a:lstStyle/>
           <a:p>
             <a:pPr indent="0" lvl="0" marL="0" rtl="0">
+              <a:spcBef>
+                <a:spcPts val="0"/>
+              </a:spcBef>
+              <a:spcAft>
+                <a:spcPts val="0"/>
+              </a:spcAft>
+              <a:buNone/>
+            </a:pPr>
+            <a:fld id="{00000000-1234-1234-1234-123412341234}" type="slidenum">
+              <a:rPr lang="en"/>
+              <a:t>‹#›</a:t>
+            </a:fld>
+            <a:endParaRPr/>
+          </a:p>
+        </p:txBody>
+      </p:sp>
+    </p:spTree>
+  </p:cSld>
+  <p:clrMapOvr>
+    <a:masterClrMapping/>
+  </p:clrMapOvr>
+</p:sld>
+</file>
+
+<file path=ppt/slides/slide9.xml><?xml version="1.0" encoding="utf-8"?>
+<p:sld xmlns:a="http://schemas.openxmlformats.org/drawingml/2006/main" xmlns:r="http://schemas.openxmlformats.org/officeDocument/2006/relationships" xmlns:mc="http://schemas.openxmlformats.org/markup-compatibility/2006" xmlns:mv="urn:schemas-microsoft-com:mac:vml" xmlns:p="http://schemas.openxmlformats.org/presentationml/2006/main" xmlns:c="http://schemas.openxmlformats.org/drawingml/2006/chart" xmlns:dgm="http://schemas.openxmlformats.org/drawingml/2006/diagram" xmlns:o="urn:schemas-microsoft-com:office:office" xmlns:v="urn:schemas-microsoft-com:vml" xmlns:pvml="urn:schemas-microsoft-com:office:powerpoint" xmlns:com="http://schemas.openxmlformats.org/drawingml/2006/compatibility" xmlns:p14="http://schemas.microsoft.com/office/powerpoint/2010/main" xmlns:p15="http://schemas.microsoft.com/office/powerpoint/2012/main">
+  <p:cSld>
+    <p:spTree>
+      <p:nvGrpSpPr>
+        <p:cNvPr id="145" name="Shape 145"/>
+        <p:cNvGrpSpPr/>
+        <p:nvPr/>
+      </p:nvGrpSpPr>
+      <p:grpSpPr>
+        <a:xfrm>
+          <a:off x="0" y="0"/>
+          <a:ext cx="0" cy="0"/>
+          <a:chOff x="0" y="0"/>
+          <a:chExt cx="0" cy="0"/>
+        </a:xfrm>
+      </p:grpSpPr>
+      <p:sp>
+        <p:nvSpPr>
+          <p:cNvPr id="146" name="Shape 146"/>
+          <p:cNvSpPr txBox="1"/>
+          <p:nvPr>
+            <p:ph type="title"/>
+          </p:nvPr>
+        </p:nvSpPr>
+        <p:spPr>
+          <a:xfrm>
+            <a:off x="298575" y="402775"/>
+            <a:ext cx="8716500" cy="1175100"/>
+          </a:xfrm>
+          <a:prstGeom prst="rect">
+            <a:avLst/>
+          </a:prstGeom>
+        </p:spPr>
+        <p:txBody>
+          <a:bodyPr anchorCtr="0" anchor="t" bIns="91425" lIns="91425" spcFirstLastPara="1" rIns="91425" wrap="square" tIns="91425">
+            <a:noAutofit/>
+          </a:bodyPr>
+          <a:lstStyle/>
+          <a:p>
+            <a:pPr indent="0" lvl="0" marL="0" rtl="0">
+              <a:spcBef>
+                <a:spcPts val="0"/>
+              </a:spcBef>
+              <a:spcAft>
+                <a:spcPts val="0"/>
+              </a:spcAft>
+              <a:buNone/>
+            </a:pPr>
+            <a:r>
+              <a:rPr lang="en"/>
+              <a:t>Superpixels to input</a:t>
+            </a:r>
+            <a:endParaRPr>
+              <a:solidFill>
+                <a:schemeClr val="accent5"/>
+              </a:solidFill>
+            </a:endParaRPr>
+          </a:p>
+        </p:txBody>
+      </p:sp>
+      <p:sp>
+        <p:nvSpPr>
+          <p:cNvPr id="147" name="Shape 147"/>
+          <p:cNvSpPr txBox="1"/>
+          <p:nvPr>
+            <p:ph type="title"/>
+          </p:nvPr>
+        </p:nvSpPr>
+        <p:spPr>
+          <a:xfrm>
+            <a:off x="535775" y="1480150"/>
+            <a:ext cx="7167900" cy="3067500"/>
+          </a:xfrm>
+          <a:prstGeom prst="rect">
+            <a:avLst/>
+          </a:prstGeom>
+        </p:spPr>
+        <p:txBody>
+          <a:bodyPr anchorCtr="0" anchor="t" bIns="91425" lIns="91425" spcFirstLastPara="1" rIns="91425" wrap="square" tIns="91425">
+            <a:noAutofit/>
+          </a:bodyPr>
+          <a:lstStyle/>
+          <a:p>
+            <a:pPr indent="-381000" lvl="0" marL="457200" rtl="0">
+              <a:lnSpc>
+                <a:spcPct val="115000"/>
+              </a:lnSpc>
+              <a:spcBef>
+                <a:spcPts val="0"/>
+              </a:spcBef>
+              <a:spcAft>
+                <a:spcPts val="0"/>
+              </a:spcAft>
+              <a:buClr>
+                <a:srgbClr val="EFEFEF"/>
+              </a:buClr>
+              <a:buSzPts val="2400"/>
+              <a:buFont typeface="Lato"/>
+              <a:buAutoNum type="arabicPeriod"/>
+            </a:pPr>
+            <a:r>
+              <a:rPr b="0" lang="en" sz="2400">
+                <a:solidFill>
+                  <a:srgbClr val="EFEFEF"/>
+                </a:solidFill>
+                <a:latin typeface="Lato"/>
+                <a:ea typeface="Lato"/>
+                <a:cs typeface="Lato"/>
+                <a:sym typeface="Lato"/>
+              </a:rPr>
+              <a:t>“Cellbatch” uses the averages of each superpixel</a:t>
+            </a:r>
+            <a:endParaRPr b="0" sz="2400">
+              <a:solidFill>
+                <a:srgbClr val="EFEFEF"/>
+              </a:solidFill>
+              <a:latin typeface="Lato"/>
+              <a:ea typeface="Lato"/>
+              <a:cs typeface="Lato"/>
+              <a:sym typeface="Lato"/>
+            </a:endParaRPr>
+          </a:p>
+          <a:p>
+            <a:pPr indent="-381000" lvl="0" marL="457200" rtl="0">
+              <a:lnSpc>
+                <a:spcPct val="115000"/>
+              </a:lnSpc>
+              <a:spcBef>
+                <a:spcPts val="0"/>
+              </a:spcBef>
+              <a:spcAft>
+                <a:spcPts val="0"/>
+              </a:spcAft>
+              <a:buClr>
+                <a:srgbClr val="EFEFEF"/>
+              </a:buClr>
+              <a:buSzPts val="2400"/>
+              <a:buFont typeface="Lato"/>
+              <a:buAutoNum type="arabicPeriod"/>
+            </a:pPr>
+            <a:r>
+              <a:rPr b="0" lang="en" sz="2400">
+                <a:solidFill>
+                  <a:srgbClr val="EFEFEF"/>
+                </a:solidFill>
+                <a:latin typeface="Lato"/>
+                <a:ea typeface="Lato"/>
+                <a:cs typeface="Lato"/>
+                <a:sym typeface="Lato"/>
+              </a:rPr>
+              <a:t>“Relbatch” uses batches of relationships</a:t>
+            </a:r>
+            <a:endParaRPr b="0" sz="2400">
+              <a:solidFill>
+                <a:srgbClr val="EFEFEF"/>
+              </a:solidFill>
+              <a:latin typeface="Lato"/>
+              <a:ea typeface="Lato"/>
+              <a:cs typeface="Lato"/>
+              <a:sym typeface="Lato"/>
+            </a:endParaRPr>
+          </a:p>
+        </p:txBody>
+      </p:sp>
+      <p:pic>
+        <p:nvPicPr>
+          <p:cNvPr id="148" name="Shape 148"/>
+          <p:cNvPicPr preferRelativeResize="0"/>
+          <p:nvPr/>
+        </p:nvPicPr>
+        <p:blipFill>
+          <a:blip r:embed="rId3">
+            <a:alphaModFix/>
+          </a:blip>
+          <a:stretch>
+            <a:fillRect/>
+          </a:stretch>
+        </p:blipFill>
+        <p:spPr>
+          <a:xfrm>
+            <a:off x="840200" y="3465338"/>
+            <a:ext cx="4257675" cy="276225"/>
+          </a:xfrm>
+          <a:prstGeom prst="rect">
+            <a:avLst/>
+          </a:prstGeom>
+          <a:noFill/>
+          <a:ln>
+            <a:noFill/>
+          </a:ln>
+        </p:spPr>
+      </p:pic>
+      <p:pic>
+        <p:nvPicPr>
+          <p:cNvPr id="149" name="Shape 149"/>
+          <p:cNvPicPr preferRelativeResize="0"/>
+          <p:nvPr/>
+        </p:nvPicPr>
+        <p:blipFill>
+          <a:blip r:embed="rId4">
+            <a:alphaModFix/>
+          </a:blip>
+          <a:stretch>
+            <a:fillRect/>
+          </a:stretch>
+        </p:blipFill>
+        <p:spPr>
+          <a:xfrm>
+            <a:off x="6053063" y="2365200"/>
+            <a:ext cx="2143125" cy="2476500"/>
+          </a:xfrm>
+          <a:prstGeom prst="rect">
+            <a:avLst/>
+          </a:prstGeom>
+          <a:noFill/>
+          <a:ln>
+            <a:noFill/>
+          </a:ln>
+        </p:spPr>
+      </p:pic>
+      <p:sp>
+        <p:nvSpPr>
+          <p:cNvPr id="150" name="Shape 150"/>
+          <p:cNvSpPr txBox="1"/>
+          <p:nvPr>
+            <p:ph idx="12" type="sldNum"/>
+          </p:nvPr>
+        </p:nvSpPr>
+        <p:spPr>
+          <a:xfrm>
+            <a:off x="8497999" y="4688759"/>
+            <a:ext cx="548700" cy="393600"/>
+          </a:xfrm>
+          <a:prstGeom prst="rect">
+            <a:avLst/>
+          </a:prstGeom>
+        </p:spPr>
+        <p:txBody>
+          <a:bodyPr anchorCtr="0" anchor="ctr" bIns="91425" lIns="91425" spcFirstLastPara="1" rIns="91425" wrap="square" tIns="91425">
+            <a:noAutofit/>
+          </a:bodyPr>
+          <a:lstStyle/>
+          <a:p>
+            <a:pPr indent="0" lvl="0" marL="0">
               <a:spcBef>
                 <a:spcPts val="0"/>
               </a:spcBef>
